--- a/src/site/discrete/static/slides/discrete-week14-string-search.pptx
+++ b/src/site/discrete/static/slides/discrete-week14-string-search.pptx
@@ -5,10 +5,10 @@
     <p:sldMasterId id="2147483660" r:id="rId1"/>
   </p:sldMasterIdLst>
   <p:notesMasterIdLst>
-    <p:notesMasterId r:id="rId16"/>
+    <p:notesMasterId r:id="rId25"/>
   </p:notesMasterIdLst>
   <p:handoutMasterIdLst>
-    <p:handoutMasterId r:id="rId17"/>
+    <p:handoutMasterId r:id="rId26"/>
   </p:handoutMasterIdLst>
   <p:sldIdLst>
     <p:sldId id="291" r:id="rId2"/>
@@ -25,28 +25,19 @@
     <p:sldId id="452" r:id="rId13"/>
     <p:sldId id="450" r:id="rId14"/>
     <p:sldId id="453" r:id="rId15"/>
+    <p:sldId id="454" r:id="rId16"/>
+    <p:sldId id="455" r:id="rId17"/>
+    <p:sldId id="457" r:id="rId18"/>
+    <p:sldId id="456" r:id="rId19"/>
+    <p:sldId id="458" r:id="rId20"/>
+    <p:sldId id="459" r:id="rId21"/>
+    <p:sldId id="460" r:id="rId22"/>
+    <p:sldId id="461" r:id="rId23"/>
+    <p:sldId id="462" r:id="rId24"/>
   </p:sldIdLst>
   <p:sldSz cx="9144000" cy="6858000" type="screen4x3"/>
   <p:notesSz cx="6858000" cy="9144000"/>
   <p:embeddedFontLst>
-    <p:embeddedFont>
-      <p:font typeface="Lucida Console" panose="020B0609040504020204" pitchFamily="49" charset="0"/>
-      <p:regular r:id="rId18"/>
-    </p:embeddedFont>
-    <p:embeddedFont>
-      <p:font typeface="Calibri" panose="020F0502020204030204" pitchFamily="34" charset="0"/>
-      <p:regular r:id="rId19"/>
-      <p:bold r:id="rId20"/>
-      <p:italic r:id="rId21"/>
-      <p:boldItalic r:id="rId22"/>
-    </p:embeddedFont>
-    <p:embeddedFont>
-      <p:font typeface="Source Sans Pro" panose="020B0503030403020204" pitchFamily="34" charset="0"/>
-      <p:regular r:id="rId23"/>
-      <p:bold r:id="rId24"/>
-      <p:italic r:id="rId25"/>
-      <p:boldItalic r:id="rId26"/>
-    </p:embeddedFont>
     <p:embeddedFont>
       <p:font typeface="Cambria Math" panose="02040503050406030204" pitchFamily="18" charset="0"/>
       <p:regular r:id="rId27"/>
@@ -61,6 +52,24 @@
     <p:embeddedFont>
       <p:font typeface="Wingdings 2" panose="05020102010507070707" pitchFamily="18" charset="2"/>
       <p:regular r:id="rId32"/>
+    </p:embeddedFont>
+    <p:embeddedFont>
+      <p:font typeface="Source Sans Pro" panose="020B0503030403020204" pitchFamily="34" charset="0"/>
+      <p:regular r:id="rId33"/>
+      <p:bold r:id="rId34"/>
+      <p:italic r:id="rId35"/>
+      <p:boldItalic r:id="rId36"/>
+    </p:embeddedFont>
+    <p:embeddedFont>
+      <p:font typeface="Lucida Console" panose="020B0609040504020204" pitchFamily="49" charset="0"/>
+      <p:regular r:id="rId37"/>
+    </p:embeddedFont>
+    <p:embeddedFont>
+      <p:font typeface="Calibri" panose="020F0502020204030204" pitchFamily="34" charset="0"/>
+      <p:regular r:id="rId38"/>
+      <p:bold r:id="rId39"/>
+      <p:italic r:id="rId40"/>
+      <p:boldItalic r:id="rId41"/>
     </p:embeddedFont>
   </p:embeddedFontLst>
   <p:defaultTextStyle>
@@ -260,7 +269,7 @@
             <a:fld id="{C0FEF7AE-0C30-4EA7-B74D-470A9C33048D}" type="datetimeFigureOut">
               <a:rPr lang="en-US" smtClean="0"/>
               <a:pPr/>
-              <a:t>4/7/2020</a:t>
+              <a:t>4/13/2020</a:t>
             </a:fld>
             <a:endParaRPr lang="en-US"/>
           </a:p>
@@ -427,7 +436,7 @@
             <a:fld id="{51D0618E-1193-4D7D-8DDC-CC55F7CAEA60}" type="datetimeFigureOut">
               <a:rPr lang="en-US" smtClean="0"/>
               <a:pPr/>
-              <a:t>4/7/2020</a:t>
+              <a:t>4/13/2020</a:t>
             </a:fld>
             <a:endParaRPr lang="en-US"/>
           </a:p>
@@ -957,7 +966,7 @@
             <a:fld id="{3D15220D-0BB5-4C71-B862-812B075D02FE}" type="datetimeFigureOut">
               <a:rPr lang="en-US" smtClean="0"/>
               <a:pPr/>
-              <a:t>4/7/2020</a:t>
+              <a:t>4/13/2020</a:t>
             </a:fld>
             <a:endParaRPr lang="en-US"/>
           </a:p>
@@ -1124,7 +1133,7 @@
             <a:fld id="{3D15220D-0BB5-4C71-B862-812B075D02FE}" type="datetimeFigureOut">
               <a:rPr lang="en-US" smtClean="0"/>
               <a:pPr/>
-              <a:t>4/7/2020</a:t>
+              <a:t>4/13/2020</a:t>
             </a:fld>
             <a:endParaRPr lang="en-US"/>
           </a:p>
@@ -1301,7 +1310,7 @@
             <a:fld id="{3D15220D-0BB5-4C71-B862-812B075D02FE}" type="datetimeFigureOut">
               <a:rPr lang="en-US" smtClean="0"/>
               <a:pPr/>
-              <a:t>4/7/2020</a:t>
+              <a:t>4/13/2020</a:t>
             </a:fld>
             <a:endParaRPr lang="en-US"/>
           </a:p>
@@ -1468,7 +1477,7 @@
             <a:fld id="{3D15220D-0BB5-4C71-B862-812B075D02FE}" type="datetimeFigureOut">
               <a:rPr lang="en-US" smtClean="0"/>
               <a:pPr/>
-              <a:t>4/7/2020</a:t>
+              <a:t>4/13/2020</a:t>
             </a:fld>
             <a:endParaRPr lang="en-US"/>
           </a:p>
@@ -1712,7 +1721,7 @@
             <a:fld id="{3D15220D-0BB5-4C71-B862-812B075D02FE}" type="datetimeFigureOut">
               <a:rPr lang="en-US" smtClean="0"/>
               <a:pPr/>
-              <a:t>4/7/2020</a:t>
+              <a:t>4/13/2020</a:t>
             </a:fld>
             <a:endParaRPr lang="en-US"/>
           </a:p>
@@ -1978,7 +1987,7 @@
             <a:fld id="{3D15220D-0BB5-4C71-B862-812B075D02FE}" type="datetimeFigureOut">
               <a:rPr lang="en-US" smtClean="0"/>
               <a:pPr/>
-              <a:t>4/7/2020</a:t>
+              <a:t>4/13/2020</a:t>
             </a:fld>
             <a:endParaRPr lang="en-US"/>
           </a:p>
@@ -2358,7 +2367,7 @@
             <a:fld id="{3D15220D-0BB5-4C71-B862-812B075D02FE}" type="datetimeFigureOut">
               <a:rPr lang="en-US" smtClean="0"/>
               <a:pPr/>
-              <a:t>4/7/2020</a:t>
+              <a:t>4/13/2020</a:t>
             </a:fld>
             <a:endParaRPr lang="en-US"/>
           </a:p>
@@ -2510,7 +2519,7 @@
             <a:fld id="{3D15220D-0BB5-4C71-B862-812B075D02FE}" type="datetimeFigureOut">
               <a:rPr lang="en-US" smtClean="0"/>
               <a:pPr/>
-              <a:t>4/7/2020</a:t>
+              <a:t>4/13/2020</a:t>
             </a:fld>
             <a:endParaRPr lang="en-US"/>
           </a:p>
@@ -2602,7 +2611,7 @@
             <a:fld id="{3D15220D-0BB5-4C71-B862-812B075D02FE}" type="datetimeFigureOut">
               <a:rPr lang="en-US" smtClean="0"/>
               <a:pPr/>
-              <a:t>4/7/2020</a:t>
+              <a:t>4/13/2020</a:t>
             </a:fld>
             <a:endParaRPr lang="en-US"/>
           </a:p>
@@ -2865,7 +2874,7 @@
             <a:fld id="{3D15220D-0BB5-4C71-B862-812B075D02FE}" type="datetimeFigureOut">
               <a:rPr lang="en-US" smtClean="0"/>
               <a:pPr/>
-              <a:t>4/7/2020</a:t>
+              <a:t>4/13/2020</a:t>
             </a:fld>
             <a:endParaRPr lang="en-US"/>
           </a:p>
@@ -3155,7 +3164,7 @@
             <a:fld id="{3D15220D-0BB5-4C71-B862-812B075D02FE}" type="datetimeFigureOut">
               <a:rPr lang="en-US" smtClean="0"/>
               <a:pPr/>
-              <a:t>4/7/2020</a:t>
+              <a:t>4/13/2020</a:t>
             </a:fld>
             <a:endParaRPr lang="en-US"/>
           </a:p>
@@ -3928,7 +3937,7 @@
             <a:fld id="{3D15220D-0BB5-4C71-B862-812B075D02FE}" type="datetimeFigureOut">
               <a:rPr lang="en-US" smtClean="0"/>
               <a:pPr/>
-              <a:t>4/7/2020</a:t>
+              <a:t>4/13/2020</a:t>
             </a:fld>
             <a:endParaRPr lang="en-US"/>
           </a:p>
@@ -4651,11 +4660,7 @@
             </a:r>
             <a:r>
               <a:rPr lang="lv-LV" dirty="0" smtClean="0"/>
-              <a:t> </a:t>
-            </a:r>
-            <a:r>
-              <a:rPr lang="lv-LV" dirty="0" smtClean="0"/>
-              <a:t>Pseudocode</a:t>
+              <a:t> Pseudocode</a:t>
             </a:r>
             <a:endParaRPr lang="lv-LV" dirty="0"/>
           </a:p>
@@ -5084,8 +5089,8 @@
           </a:p>
         </p:txBody>
       </p:sp>
-      <mc:AlternateContent xmlns:mc="http://schemas.openxmlformats.org/markup-compatibility/2006">
-        <mc:Choice xmlns:a14="http://schemas.microsoft.com/office/drawing/2010/main" Requires="a14">
+      <mc:AlternateContent xmlns:mc="http://schemas.openxmlformats.org/markup-compatibility/2006" xmlns:a14="http://schemas.microsoft.com/office/drawing/2010/main">
+        <mc:Choice Requires="a14">
           <p:sp>
             <p:nvSpPr>
               <p:cNvPr id="3" name="Content Placeholder 2"/>
@@ -5776,7 +5781,7 @@
             </p:txBody>
           </p:sp>
         </mc:Choice>
-        <mc:Fallback>
+        <mc:Fallback xmlns="">
           <p:sp>
             <p:nvSpPr>
               <p:cNvPr id="3" name="Content Placeholder 2"/>
@@ -5870,8 +5875,8 @@
           </a:p>
         </p:txBody>
       </p:sp>
-      <mc:AlternateContent xmlns:mc="http://schemas.openxmlformats.org/markup-compatibility/2006">
-        <mc:Choice xmlns:a14="http://schemas.microsoft.com/office/drawing/2010/main" Requires="a14">
+      <mc:AlternateContent xmlns:mc="http://schemas.openxmlformats.org/markup-compatibility/2006" xmlns:a14="http://schemas.microsoft.com/office/drawing/2010/main">
+        <mc:Choice Requires="a14">
           <p:sp>
             <p:nvSpPr>
               <p:cNvPr id="3" name="Content Placeholder 2"/>
@@ -6328,7 +6333,7 @@
             </p:txBody>
           </p:sp>
         </mc:Choice>
-        <mc:Fallback>
+        <mc:Fallback xmlns="">
           <p:sp>
             <p:nvSpPr>
               <p:cNvPr id="3" name="Content Placeholder 2"/>
@@ -6372,6 +6377,13 @@
   <p:clrMapOvr>
     <a:masterClrMapping/>
   </p:clrMapOvr>
+  <p:timing>
+    <p:tnLst>
+      <p:par>
+        <p:cTn id="1" dur="indefinite" restart="never" nodeType="tmRoot"/>
+      </p:par>
+    </p:tnLst>
+  </p:timing>
 </p:sld>
 </file>
 
@@ -6775,6 +6787,2009 @@
 </p:sld>
 </file>
 
+<file path=ppt/slides/slide15.xml><?xml version="1.0" encoding="utf-8"?>
+<p:sld xmlns:a="http://schemas.openxmlformats.org/drawingml/2006/main" xmlns:r="http://schemas.openxmlformats.org/officeDocument/2006/relationships" xmlns:p="http://schemas.openxmlformats.org/presentationml/2006/main">
+  <p:cSld>
+    <p:spTree>
+      <p:nvGrpSpPr>
+        <p:cNvPr id="1" name=""/>
+        <p:cNvGrpSpPr/>
+        <p:nvPr/>
+      </p:nvGrpSpPr>
+      <p:grpSpPr>
+        <a:xfrm>
+          <a:off x="0" y="0"/>
+          <a:ext cx="0" cy="0"/>
+          <a:chOff x="0" y="0"/>
+          <a:chExt cx="0" cy="0"/>
+        </a:xfrm>
+      </p:grpSpPr>
+      <p:sp>
+        <p:nvSpPr>
+          <p:cNvPr id="2" name="Title 1"/>
+          <p:cNvSpPr>
+            <a:spLocks noGrp="1"/>
+          </p:cNvSpPr>
+          <p:nvPr>
+            <p:ph type="title"/>
+          </p:nvPr>
+        </p:nvSpPr>
+        <p:spPr/>
+        <p:txBody>
+          <a:bodyPr/>
+          <a:lstStyle/>
+          <a:p>
+            <a:r>
+              <a:rPr lang="en-US" dirty="0" smtClean="0"/>
+              <a:t>Good Suffix Function</a:t>
+            </a:r>
+            <a:endParaRPr lang="lv-LV" dirty="0"/>
+          </a:p>
+        </p:txBody>
+      </p:sp>
+      <p:sp>
+        <p:nvSpPr>
+          <p:cNvPr id="3" name="Content Placeholder 2"/>
+          <p:cNvSpPr>
+            <a:spLocks noGrp="1"/>
+          </p:cNvSpPr>
+          <p:nvPr>
+            <p:ph idx="1"/>
+          </p:nvPr>
+        </p:nvSpPr>
+        <p:spPr/>
+        <p:txBody>
+          <a:bodyPr/>
+          <a:lstStyle/>
+          <a:p>
+            <a:r>
+              <a:rPr lang="en-US" b="1" dirty="0" smtClean="0"/>
+              <a:t>Reference #1: </a:t>
+            </a:r>
+            <a:r>
+              <a:rPr lang="lv-LV" b="1" dirty="0" smtClean="0"/>
+              <a:t>https</a:t>
+            </a:r>
+            <a:r>
+              <a:rPr lang="lv-LV" b="1" dirty="0"/>
+              <a:t>://www.geeksforgeeks.org/boyer-moore-algorithm-good-suffix-heuristic</a:t>
+            </a:r>
+            <a:r>
+              <a:rPr lang="lv-LV" b="1" dirty="0" smtClean="0"/>
+              <a:t>/</a:t>
+            </a:r>
+            <a:endParaRPr lang="en-US" b="1" dirty="0" smtClean="0"/>
+          </a:p>
+          <a:p>
+            <a:r>
+              <a:rPr lang="en-US" dirty="0" smtClean="0"/>
+              <a:t>Pattern = CABAB</a:t>
+            </a:r>
+          </a:p>
+          <a:p>
+            <a:endParaRPr lang="en-US" dirty="0"/>
+          </a:p>
+          <a:p>
+            <a:pPr marL="0" indent="0">
+              <a:buNone/>
+            </a:pPr>
+            <a:endParaRPr lang="lv-LV" dirty="0"/>
+          </a:p>
+        </p:txBody>
+      </p:sp>
+      <p:graphicFrame>
+        <p:nvGraphicFramePr>
+          <p:cNvPr id="4" name="Table 3"/>
+          <p:cNvGraphicFramePr>
+            <a:graphicFrameLocks noGrp="1"/>
+          </p:cNvGraphicFramePr>
+          <p:nvPr>
+            <p:extLst>
+              <p:ext uri="{D42A27DB-BD31-4B8C-83A1-F6EECF244321}">
+                <p14:modId xmlns:p14="http://schemas.microsoft.com/office/powerpoint/2010/main" val="273027667"/>
+              </p:ext>
+            </p:extLst>
+          </p:nvPr>
+        </p:nvGraphicFramePr>
+        <p:xfrm>
+          <a:off x="1066800" y="4130040"/>
+          <a:ext cx="4038600" cy="1615440"/>
+        </p:xfrm>
+        <a:graphic>
+          <a:graphicData uri="http://schemas.openxmlformats.org/drawingml/2006/table">
+            <a:tbl>
+              <a:tblPr firstRow="1" bandRow="1">
+                <a:tableStyleId>{5C22544A-7EE6-4342-B048-85BDC9FD1C3A}</a:tableStyleId>
+              </a:tblPr>
+              <a:tblGrid>
+                <a:gridCol w="673100">
+                  <a:extLst>
+                    <a:ext uri="{9D8B030D-6E8A-4147-A177-3AD203B41FA5}">
+                      <a16:colId xmlns:a16="http://schemas.microsoft.com/office/drawing/2014/main" val="3008046147"/>
+                    </a:ext>
+                  </a:extLst>
+                </a:gridCol>
+                <a:gridCol w="673100">
+                  <a:extLst>
+                    <a:ext uri="{9D8B030D-6E8A-4147-A177-3AD203B41FA5}">
+                      <a16:colId xmlns:a16="http://schemas.microsoft.com/office/drawing/2014/main" val="3019898440"/>
+                    </a:ext>
+                  </a:extLst>
+                </a:gridCol>
+                <a:gridCol w="673100">
+                  <a:extLst>
+                    <a:ext uri="{9D8B030D-6E8A-4147-A177-3AD203B41FA5}">
+                      <a16:colId xmlns:a16="http://schemas.microsoft.com/office/drawing/2014/main" val="3931190410"/>
+                    </a:ext>
+                  </a:extLst>
+                </a:gridCol>
+                <a:gridCol w="673100">
+                  <a:extLst>
+                    <a:ext uri="{9D8B030D-6E8A-4147-A177-3AD203B41FA5}">
+                      <a16:colId xmlns:a16="http://schemas.microsoft.com/office/drawing/2014/main" val="4004075811"/>
+                    </a:ext>
+                  </a:extLst>
+                </a:gridCol>
+                <a:gridCol w="673100">
+                  <a:extLst>
+                    <a:ext uri="{9D8B030D-6E8A-4147-A177-3AD203B41FA5}">
+                      <a16:colId xmlns:a16="http://schemas.microsoft.com/office/drawing/2014/main" val="3721683743"/>
+                    </a:ext>
+                  </a:extLst>
+                </a:gridCol>
+                <a:gridCol w="673100">
+                  <a:extLst>
+                    <a:ext uri="{9D8B030D-6E8A-4147-A177-3AD203B41FA5}">
+                      <a16:colId xmlns:a16="http://schemas.microsoft.com/office/drawing/2014/main" val="2272382081"/>
+                    </a:ext>
+                  </a:extLst>
+                </a:gridCol>
+              </a:tblGrid>
+              <a:tr h="370840">
+                <a:tc>
+                  <a:txBody>
+                    <a:bodyPr/>
+                    <a:lstStyle/>
+                    <a:p>
+                      <a:pPr algn="ctr"/>
+                      <a:r>
+                        <a:rPr lang="en-US" sz="2800" dirty="0" smtClean="0">
+                          <a:latin typeface="+mj-lt"/>
+                        </a:rPr>
+                        <a:t>0</a:t>
+                      </a:r>
+                      <a:endParaRPr lang="lv-LV" sz="2800" dirty="0">
+                        <a:latin typeface="+mj-lt"/>
+                      </a:endParaRPr>
+                    </a:p>
+                  </a:txBody>
+                  <a:tcPr/>
+                </a:tc>
+                <a:tc>
+                  <a:txBody>
+                    <a:bodyPr/>
+                    <a:lstStyle/>
+                    <a:p>
+                      <a:pPr algn="ctr"/>
+                      <a:r>
+                        <a:rPr lang="en-US" sz="2800" dirty="0" smtClean="0">
+                          <a:latin typeface="+mj-lt"/>
+                        </a:rPr>
+                        <a:t>1</a:t>
+                      </a:r>
+                      <a:endParaRPr lang="lv-LV" sz="2800" dirty="0">
+                        <a:latin typeface="+mj-lt"/>
+                      </a:endParaRPr>
+                    </a:p>
+                  </a:txBody>
+                  <a:tcPr/>
+                </a:tc>
+                <a:tc>
+                  <a:txBody>
+                    <a:bodyPr/>
+                    <a:lstStyle/>
+                    <a:p>
+                      <a:pPr algn="ctr"/>
+                      <a:r>
+                        <a:rPr lang="en-US" sz="2800" dirty="0" smtClean="0">
+                          <a:latin typeface="+mj-lt"/>
+                        </a:rPr>
+                        <a:t>2</a:t>
+                      </a:r>
+                      <a:endParaRPr lang="lv-LV" sz="2800" dirty="0">
+                        <a:latin typeface="+mj-lt"/>
+                      </a:endParaRPr>
+                    </a:p>
+                  </a:txBody>
+                  <a:tcPr/>
+                </a:tc>
+                <a:tc>
+                  <a:txBody>
+                    <a:bodyPr/>
+                    <a:lstStyle/>
+                    <a:p>
+                      <a:pPr algn="ctr"/>
+                      <a:r>
+                        <a:rPr lang="en-US" sz="2800" dirty="0" smtClean="0">
+                          <a:latin typeface="+mj-lt"/>
+                        </a:rPr>
+                        <a:t>3</a:t>
+                      </a:r>
+                      <a:endParaRPr lang="lv-LV" sz="2800" dirty="0">
+                        <a:latin typeface="+mj-lt"/>
+                      </a:endParaRPr>
+                    </a:p>
+                  </a:txBody>
+                  <a:tcPr/>
+                </a:tc>
+                <a:tc>
+                  <a:txBody>
+                    <a:bodyPr/>
+                    <a:lstStyle/>
+                    <a:p>
+                      <a:pPr algn="ctr"/>
+                      <a:r>
+                        <a:rPr lang="en-US" sz="2800" dirty="0" smtClean="0">
+                          <a:latin typeface="+mj-lt"/>
+                        </a:rPr>
+                        <a:t>4</a:t>
+                      </a:r>
+                      <a:endParaRPr lang="lv-LV" sz="2800" dirty="0">
+                        <a:latin typeface="+mj-lt"/>
+                      </a:endParaRPr>
+                    </a:p>
+                  </a:txBody>
+                  <a:tcPr/>
+                </a:tc>
+                <a:tc>
+                  <a:txBody>
+                    <a:bodyPr/>
+                    <a:lstStyle/>
+                    <a:p>
+                      <a:pPr algn="ctr"/>
+                      <a:r>
+                        <a:rPr lang="en-US" sz="2800" dirty="0" smtClean="0">
+                          <a:latin typeface="+mj-lt"/>
+                        </a:rPr>
+                        <a:t>5</a:t>
+                      </a:r>
+                      <a:endParaRPr lang="lv-LV" sz="2800" dirty="0">
+                        <a:latin typeface="+mj-lt"/>
+                      </a:endParaRPr>
+                    </a:p>
+                  </a:txBody>
+                  <a:tcPr/>
+                </a:tc>
+                <a:extLst>
+                  <a:ext uri="{0D108BD9-81ED-4DB2-BD59-A6C34878D82A}">
+                    <a16:rowId xmlns:a16="http://schemas.microsoft.com/office/drawing/2014/main" val="2420579141"/>
+                  </a:ext>
+                </a:extLst>
+              </a:tr>
+              <a:tr h="370840">
+                <a:tc>
+                  <a:txBody>
+                    <a:bodyPr/>
+                    <a:lstStyle/>
+                    <a:p>
+                      <a:pPr algn="ctr"/>
+                      <a:r>
+                        <a:rPr lang="lv-LV" sz="2800" dirty="0" smtClean="0">
+                          <a:solidFill>
+                            <a:srgbClr val="00B050"/>
+                          </a:solidFill>
+                          <a:latin typeface="Lucida Console" panose="020B0609040504020204" pitchFamily="49" charset="0"/>
+                        </a:rPr>
+                        <a:t>C</a:t>
+                      </a:r>
+                      <a:endParaRPr lang="lv-LV" sz="2800" dirty="0">
+                        <a:solidFill>
+                          <a:srgbClr val="00B050"/>
+                        </a:solidFill>
+                        <a:latin typeface="Lucida Console" panose="020B0609040504020204" pitchFamily="49" charset="0"/>
+                      </a:endParaRPr>
+                    </a:p>
+                  </a:txBody>
+                  <a:tcPr/>
+                </a:tc>
+                <a:tc>
+                  <a:txBody>
+                    <a:bodyPr/>
+                    <a:lstStyle/>
+                    <a:p>
+                      <a:pPr algn="ctr"/>
+                      <a:r>
+                        <a:rPr lang="lv-LV" sz="2800" dirty="0" smtClean="0">
+                          <a:solidFill>
+                            <a:srgbClr val="00B050"/>
+                          </a:solidFill>
+                          <a:latin typeface="Lucida Console" panose="020B0609040504020204" pitchFamily="49" charset="0"/>
+                        </a:rPr>
+                        <a:t>A</a:t>
+                      </a:r>
+                      <a:endParaRPr lang="lv-LV" sz="2800" dirty="0">
+                        <a:solidFill>
+                          <a:srgbClr val="00B050"/>
+                        </a:solidFill>
+                        <a:latin typeface="Lucida Console" panose="020B0609040504020204" pitchFamily="49" charset="0"/>
+                      </a:endParaRPr>
+                    </a:p>
+                  </a:txBody>
+                  <a:tcPr/>
+                </a:tc>
+                <a:tc>
+                  <a:txBody>
+                    <a:bodyPr/>
+                    <a:lstStyle/>
+                    <a:p>
+                      <a:pPr algn="ctr"/>
+                      <a:r>
+                        <a:rPr lang="lv-LV" sz="2800" dirty="0" smtClean="0">
+                          <a:solidFill>
+                            <a:srgbClr val="00B050"/>
+                          </a:solidFill>
+                          <a:latin typeface="Lucida Console" panose="020B0609040504020204" pitchFamily="49" charset="0"/>
+                        </a:rPr>
+                        <a:t>B</a:t>
+                      </a:r>
+                      <a:endParaRPr lang="lv-LV" sz="2800" dirty="0">
+                        <a:solidFill>
+                          <a:srgbClr val="00B050"/>
+                        </a:solidFill>
+                        <a:latin typeface="Lucida Console" panose="020B0609040504020204" pitchFamily="49" charset="0"/>
+                      </a:endParaRPr>
+                    </a:p>
+                  </a:txBody>
+                  <a:tcPr/>
+                </a:tc>
+                <a:tc>
+                  <a:txBody>
+                    <a:bodyPr/>
+                    <a:lstStyle/>
+                    <a:p>
+                      <a:pPr algn="ctr"/>
+                      <a:r>
+                        <a:rPr lang="lv-LV" sz="2800" dirty="0" smtClean="0">
+                          <a:solidFill>
+                            <a:srgbClr val="00B050"/>
+                          </a:solidFill>
+                          <a:latin typeface="Lucida Console" panose="020B0609040504020204" pitchFamily="49" charset="0"/>
+                        </a:rPr>
+                        <a:t>A</a:t>
+                      </a:r>
+                      <a:endParaRPr lang="lv-LV" sz="2800" dirty="0">
+                        <a:solidFill>
+                          <a:srgbClr val="00B050"/>
+                        </a:solidFill>
+                        <a:latin typeface="Lucida Console" panose="020B0609040504020204" pitchFamily="49" charset="0"/>
+                      </a:endParaRPr>
+                    </a:p>
+                  </a:txBody>
+                  <a:tcPr/>
+                </a:tc>
+                <a:tc>
+                  <a:txBody>
+                    <a:bodyPr/>
+                    <a:lstStyle/>
+                    <a:p>
+                      <a:pPr algn="ctr"/>
+                      <a:r>
+                        <a:rPr lang="lv-LV" sz="2800" dirty="0" smtClean="0">
+                          <a:solidFill>
+                            <a:srgbClr val="00B050"/>
+                          </a:solidFill>
+                          <a:latin typeface="Lucida Console" panose="020B0609040504020204" pitchFamily="49" charset="0"/>
+                        </a:rPr>
+                        <a:t>B</a:t>
+                      </a:r>
+                      <a:endParaRPr lang="lv-LV" sz="2800" dirty="0">
+                        <a:solidFill>
+                          <a:srgbClr val="00B050"/>
+                        </a:solidFill>
+                        <a:latin typeface="Lucida Console" panose="020B0609040504020204" pitchFamily="49" charset="0"/>
+                      </a:endParaRPr>
+                    </a:p>
+                  </a:txBody>
+                  <a:tcPr/>
+                </a:tc>
+                <a:tc>
+                  <a:txBody>
+                    <a:bodyPr/>
+                    <a:lstStyle/>
+                    <a:p>
+                      <a:pPr algn="ctr"/>
+                      <a:endParaRPr lang="lv-LV" sz="2800" dirty="0">
+                        <a:solidFill>
+                          <a:srgbClr val="00B050"/>
+                        </a:solidFill>
+                        <a:latin typeface="Lucida Console" panose="020B0609040504020204" pitchFamily="49" charset="0"/>
+                      </a:endParaRPr>
+                    </a:p>
+                  </a:txBody>
+                  <a:tcPr/>
+                </a:tc>
+                <a:extLst>
+                  <a:ext uri="{0D108BD9-81ED-4DB2-BD59-A6C34878D82A}">
+                    <a16:rowId xmlns:a16="http://schemas.microsoft.com/office/drawing/2014/main" val="2728296662"/>
+                  </a:ext>
+                </a:extLst>
+              </a:tr>
+              <a:tr h="370840">
+                <a:tc>
+                  <a:txBody>
+                    <a:bodyPr/>
+                    <a:lstStyle/>
+                    <a:p>
+                      <a:pPr algn="ctr"/>
+                      <a:r>
+                        <a:rPr lang="en-US" sz="2800" dirty="0" smtClean="0">
+                          <a:latin typeface="+mj-lt"/>
+                        </a:rPr>
+                        <a:t>5</a:t>
+                      </a:r>
+                      <a:endParaRPr lang="lv-LV" sz="2800" dirty="0">
+                        <a:latin typeface="+mj-lt"/>
+                      </a:endParaRPr>
+                    </a:p>
+                  </a:txBody>
+                  <a:tcPr/>
+                </a:tc>
+                <a:tc>
+                  <a:txBody>
+                    <a:bodyPr/>
+                    <a:lstStyle/>
+                    <a:p>
+                      <a:pPr algn="ctr"/>
+                      <a:r>
+                        <a:rPr lang="lv-LV" sz="2800" dirty="0" smtClean="0">
+                          <a:latin typeface="+mj-lt"/>
+                        </a:rPr>
+                        <a:t>5</a:t>
+                      </a:r>
+                      <a:endParaRPr lang="lv-LV" sz="2800" dirty="0">
+                        <a:latin typeface="+mj-lt"/>
+                      </a:endParaRPr>
+                    </a:p>
+                  </a:txBody>
+                  <a:tcPr/>
+                </a:tc>
+                <a:tc>
+                  <a:txBody>
+                    <a:bodyPr/>
+                    <a:lstStyle/>
+                    <a:p>
+                      <a:pPr algn="ctr"/>
+                      <a:r>
+                        <a:rPr lang="lv-LV" sz="2800" dirty="0" smtClean="0">
+                          <a:latin typeface="+mj-lt"/>
+                        </a:rPr>
+                        <a:t>5</a:t>
+                      </a:r>
+                      <a:endParaRPr lang="lv-LV" sz="2800" dirty="0">
+                        <a:latin typeface="+mj-lt"/>
+                      </a:endParaRPr>
+                    </a:p>
+                  </a:txBody>
+                  <a:tcPr/>
+                </a:tc>
+                <a:tc>
+                  <a:txBody>
+                    <a:bodyPr/>
+                    <a:lstStyle/>
+                    <a:p>
+                      <a:pPr algn="ctr"/>
+                      <a:r>
+                        <a:rPr lang="lv-LV" sz="3200" dirty="0" smtClean="0">
+                          <a:solidFill>
+                            <a:srgbClr val="FF0000"/>
+                          </a:solidFill>
+                          <a:latin typeface="+mj-lt"/>
+                        </a:rPr>
+                        <a:t>2</a:t>
+                      </a:r>
+                      <a:endParaRPr lang="lv-LV" sz="3200" dirty="0">
+                        <a:solidFill>
+                          <a:srgbClr val="FF0000"/>
+                        </a:solidFill>
+                        <a:latin typeface="+mj-lt"/>
+                      </a:endParaRPr>
+                    </a:p>
+                  </a:txBody>
+                  <a:tcPr/>
+                </a:tc>
+                <a:tc>
+                  <a:txBody>
+                    <a:bodyPr/>
+                    <a:lstStyle/>
+                    <a:p>
+                      <a:pPr algn="ctr"/>
+                      <a:r>
+                        <a:rPr lang="lv-LV" sz="2800" dirty="0" smtClean="0">
+                          <a:latin typeface="+mj-lt"/>
+                        </a:rPr>
+                        <a:t>2</a:t>
+                      </a:r>
+                      <a:endParaRPr lang="lv-LV" sz="2800" dirty="0">
+                        <a:latin typeface="+mj-lt"/>
+                      </a:endParaRPr>
+                    </a:p>
+                  </a:txBody>
+                  <a:tcPr/>
+                </a:tc>
+                <a:tc>
+                  <a:txBody>
+                    <a:bodyPr/>
+                    <a:lstStyle/>
+                    <a:p>
+                      <a:pPr algn="ctr"/>
+                      <a:r>
+                        <a:rPr lang="en-US" sz="2800" dirty="0" smtClean="0">
+                          <a:latin typeface="+mj-lt"/>
+                        </a:rPr>
+                        <a:t>1</a:t>
+                      </a:r>
+                      <a:endParaRPr lang="lv-LV" sz="2800" dirty="0">
+                        <a:latin typeface="+mj-lt"/>
+                      </a:endParaRPr>
+                    </a:p>
+                  </a:txBody>
+                  <a:tcPr/>
+                </a:tc>
+                <a:extLst>
+                  <a:ext uri="{0D108BD9-81ED-4DB2-BD59-A6C34878D82A}">
+                    <a16:rowId xmlns:a16="http://schemas.microsoft.com/office/drawing/2014/main" val="3930308900"/>
+                  </a:ext>
+                </a:extLst>
+              </a:tr>
+            </a:tbl>
+          </a:graphicData>
+        </a:graphic>
+      </p:graphicFrame>
+    </p:spTree>
+    <p:extLst>
+      <p:ext uri="{BB962C8B-B14F-4D97-AF65-F5344CB8AC3E}">
+        <p14:creationId xmlns:p14="http://schemas.microsoft.com/office/powerpoint/2010/main" val="1047667209"/>
+      </p:ext>
+    </p:extLst>
+  </p:cSld>
+  <p:clrMapOvr>
+    <a:masterClrMapping/>
+  </p:clrMapOvr>
+  <p:timing>
+    <p:tnLst>
+      <p:par>
+        <p:cTn id="1" dur="indefinite" restart="never" nodeType="tmRoot"/>
+      </p:par>
+    </p:tnLst>
+  </p:timing>
+</p:sld>
+</file>
+
+<file path=ppt/slides/slide16.xml><?xml version="1.0" encoding="utf-8"?>
+<p:sld xmlns:a="http://schemas.openxmlformats.org/drawingml/2006/main" xmlns:r="http://schemas.openxmlformats.org/officeDocument/2006/relationships" xmlns:p="http://schemas.openxmlformats.org/presentationml/2006/main">
+  <p:cSld>
+    <p:spTree>
+      <p:nvGrpSpPr>
+        <p:cNvPr id="1" name=""/>
+        <p:cNvGrpSpPr/>
+        <p:nvPr/>
+      </p:nvGrpSpPr>
+      <p:grpSpPr>
+        <a:xfrm>
+          <a:off x="0" y="0"/>
+          <a:ext cx="0" cy="0"/>
+          <a:chOff x="0" y="0"/>
+          <a:chExt cx="0" cy="0"/>
+        </a:xfrm>
+      </p:grpSpPr>
+      <p:sp>
+        <p:nvSpPr>
+          <p:cNvPr id="2" name="Title 1"/>
+          <p:cNvSpPr>
+            <a:spLocks noGrp="1"/>
+          </p:cNvSpPr>
+          <p:nvPr>
+            <p:ph type="title"/>
+          </p:nvPr>
+        </p:nvSpPr>
+        <p:spPr/>
+        <p:txBody>
+          <a:bodyPr/>
+          <a:lstStyle/>
+          <a:p>
+            <a:r>
+              <a:rPr lang="lv-LV" dirty="0" smtClean="0"/>
+              <a:t>Case 1</a:t>
+            </a:r>
+            <a:endParaRPr lang="lv-LV" dirty="0"/>
+          </a:p>
+        </p:txBody>
+      </p:sp>
+      <p:sp>
+        <p:nvSpPr>
+          <p:cNvPr id="3" name="Content Placeholder 2"/>
+          <p:cNvSpPr>
+            <a:spLocks noGrp="1"/>
+          </p:cNvSpPr>
+          <p:nvPr>
+            <p:ph idx="1"/>
+          </p:nvPr>
+        </p:nvSpPr>
+        <p:spPr/>
+        <p:txBody>
+          <a:bodyPr/>
+          <a:lstStyle/>
+          <a:p>
+            <a:r>
+              <a:rPr lang="en-US" b="1" dirty="0" smtClean="0">
+                <a:latin typeface="+mj-lt"/>
+              </a:rPr>
+              <a:t>Another </a:t>
+            </a:r>
+            <a:r>
+              <a:rPr lang="en-US" b="1" dirty="0">
+                <a:latin typeface="+mj-lt"/>
+              </a:rPr>
+              <a:t>occurrence of t in P matched with t in T</a:t>
+            </a:r>
+            <a:r>
+              <a:rPr lang="en-US" dirty="0">
+                <a:latin typeface="+mj-lt"/>
+              </a:rPr>
+              <a:t/>
+            </a:r>
+            <a:br>
+              <a:rPr lang="en-US" dirty="0">
+                <a:latin typeface="+mj-lt"/>
+              </a:rPr>
+            </a:br>
+            <a:r>
+              <a:rPr lang="en-US" dirty="0">
+                <a:latin typeface="+mj-lt"/>
+              </a:rPr>
+              <a:t>Pattern P might contain few more occurrences of </a:t>
+            </a:r>
+            <a:r>
+              <a:rPr lang="en-US" b="1" dirty="0">
+                <a:latin typeface="+mj-lt"/>
+              </a:rPr>
+              <a:t>t</a:t>
+            </a:r>
+            <a:r>
+              <a:rPr lang="en-US" dirty="0">
+                <a:latin typeface="+mj-lt"/>
+              </a:rPr>
+              <a:t>. In such case, we will try to shift the pattern to align that occurrence with t in text T.</a:t>
+            </a:r>
+            <a:endParaRPr lang="lv-LV" dirty="0">
+              <a:latin typeface="+mj-lt"/>
+            </a:endParaRPr>
+          </a:p>
+        </p:txBody>
+      </p:sp>
+      <p:pic>
+        <p:nvPicPr>
+          <p:cNvPr id="4" name="Picture 3"/>
+          <p:cNvPicPr>
+            <a:picLocks noChangeAspect="1"/>
+          </p:cNvPicPr>
+          <p:nvPr/>
+        </p:nvPicPr>
+        <p:blipFill>
+          <a:blip r:embed="rId2"/>
+          <a:stretch>
+            <a:fillRect/>
+          </a:stretch>
+        </p:blipFill>
+        <p:spPr>
+          <a:xfrm>
+            <a:off x="838200" y="3663533"/>
+            <a:ext cx="7265194" cy="3194467"/>
+          </a:xfrm>
+          <a:prstGeom prst="rect">
+            <a:avLst/>
+          </a:prstGeom>
+        </p:spPr>
+      </p:pic>
+    </p:spTree>
+    <p:extLst>
+      <p:ext uri="{BB962C8B-B14F-4D97-AF65-F5344CB8AC3E}">
+        <p14:creationId xmlns:p14="http://schemas.microsoft.com/office/powerpoint/2010/main" val="3805054070"/>
+      </p:ext>
+    </p:extLst>
+  </p:cSld>
+  <p:clrMapOvr>
+    <a:masterClrMapping/>
+  </p:clrMapOvr>
+  <p:timing>
+    <p:tnLst>
+      <p:par>
+        <p:cTn id="1" dur="indefinite" restart="never" nodeType="tmRoot"/>
+      </p:par>
+    </p:tnLst>
+  </p:timing>
+</p:sld>
+</file>
+
+<file path=ppt/slides/slide17.xml><?xml version="1.0" encoding="utf-8"?>
+<p:sld xmlns:a="http://schemas.openxmlformats.org/drawingml/2006/main" xmlns:r="http://schemas.openxmlformats.org/officeDocument/2006/relationships" xmlns:p="http://schemas.openxmlformats.org/presentationml/2006/main">
+  <p:cSld>
+    <p:spTree>
+      <p:nvGrpSpPr>
+        <p:cNvPr id="1" name=""/>
+        <p:cNvGrpSpPr/>
+        <p:nvPr/>
+      </p:nvGrpSpPr>
+      <p:grpSpPr>
+        <a:xfrm>
+          <a:off x="0" y="0"/>
+          <a:ext cx="0" cy="0"/>
+          <a:chOff x="0" y="0"/>
+          <a:chExt cx="0" cy="0"/>
+        </a:xfrm>
+      </p:grpSpPr>
+      <p:sp>
+        <p:nvSpPr>
+          <p:cNvPr id="2" name="Title 1"/>
+          <p:cNvSpPr>
+            <a:spLocks noGrp="1"/>
+          </p:cNvSpPr>
+          <p:nvPr>
+            <p:ph type="title"/>
+          </p:nvPr>
+        </p:nvSpPr>
+        <p:spPr/>
+        <p:txBody>
+          <a:bodyPr/>
+          <a:lstStyle/>
+          <a:p>
+            <a:r>
+              <a:rPr lang="en-US" dirty="0" smtClean="0"/>
+              <a:t>Good Suffix Function</a:t>
+            </a:r>
+            <a:endParaRPr lang="lv-LV" dirty="0"/>
+          </a:p>
+        </p:txBody>
+      </p:sp>
+      <p:sp>
+        <p:nvSpPr>
+          <p:cNvPr id="3" name="Content Placeholder 2"/>
+          <p:cNvSpPr>
+            <a:spLocks noGrp="1"/>
+          </p:cNvSpPr>
+          <p:nvPr>
+            <p:ph idx="1"/>
+          </p:nvPr>
+        </p:nvSpPr>
+        <p:spPr/>
+        <p:txBody>
+          <a:bodyPr/>
+          <a:lstStyle/>
+          <a:p>
+            <a:r>
+              <a:rPr lang="en-US" b="1" dirty="0" smtClean="0"/>
+              <a:t>Reference #1: </a:t>
+            </a:r>
+            <a:r>
+              <a:rPr lang="lv-LV" b="1" dirty="0" smtClean="0"/>
+              <a:t>https</a:t>
+            </a:r>
+            <a:r>
+              <a:rPr lang="lv-LV" b="1" dirty="0"/>
+              <a:t>://www.geeksforgeeks.org/boyer-moore-algorithm-good-suffix-heuristic</a:t>
+            </a:r>
+            <a:r>
+              <a:rPr lang="lv-LV" b="1" dirty="0" smtClean="0"/>
+              <a:t>/</a:t>
+            </a:r>
+            <a:endParaRPr lang="en-US" b="1" dirty="0" smtClean="0"/>
+          </a:p>
+          <a:p>
+            <a:r>
+              <a:rPr lang="en-US" dirty="0" smtClean="0"/>
+              <a:t>Pattern = A</a:t>
+            </a:r>
+            <a:r>
+              <a:rPr lang="lv-LV" dirty="0"/>
+              <a:t>B</a:t>
+            </a:r>
+            <a:r>
+              <a:rPr lang="en-US" dirty="0" smtClean="0"/>
+              <a:t>BAB</a:t>
+            </a:r>
+          </a:p>
+          <a:p>
+            <a:endParaRPr lang="en-US" dirty="0"/>
+          </a:p>
+          <a:p>
+            <a:pPr marL="0" indent="0">
+              <a:buNone/>
+            </a:pPr>
+            <a:endParaRPr lang="lv-LV" dirty="0"/>
+          </a:p>
+        </p:txBody>
+      </p:sp>
+      <p:graphicFrame>
+        <p:nvGraphicFramePr>
+          <p:cNvPr id="4" name="Table 3"/>
+          <p:cNvGraphicFramePr>
+            <a:graphicFrameLocks noGrp="1"/>
+          </p:cNvGraphicFramePr>
+          <p:nvPr>
+            <p:extLst>
+              <p:ext uri="{D42A27DB-BD31-4B8C-83A1-F6EECF244321}">
+                <p14:modId xmlns:p14="http://schemas.microsoft.com/office/powerpoint/2010/main" val="2617027138"/>
+              </p:ext>
+            </p:extLst>
+          </p:nvPr>
+        </p:nvGraphicFramePr>
+        <p:xfrm>
+          <a:off x="1066800" y="4130040"/>
+          <a:ext cx="4038600" cy="1615440"/>
+        </p:xfrm>
+        <a:graphic>
+          <a:graphicData uri="http://schemas.openxmlformats.org/drawingml/2006/table">
+            <a:tbl>
+              <a:tblPr firstRow="1" bandRow="1">
+                <a:tableStyleId>{5C22544A-7EE6-4342-B048-85BDC9FD1C3A}</a:tableStyleId>
+              </a:tblPr>
+              <a:tblGrid>
+                <a:gridCol w="673100">
+                  <a:extLst>
+                    <a:ext uri="{9D8B030D-6E8A-4147-A177-3AD203B41FA5}">
+                      <a16:colId xmlns:a16="http://schemas.microsoft.com/office/drawing/2014/main" val="3008046147"/>
+                    </a:ext>
+                  </a:extLst>
+                </a:gridCol>
+                <a:gridCol w="673100">
+                  <a:extLst>
+                    <a:ext uri="{9D8B030D-6E8A-4147-A177-3AD203B41FA5}">
+                      <a16:colId xmlns:a16="http://schemas.microsoft.com/office/drawing/2014/main" val="3019898440"/>
+                    </a:ext>
+                  </a:extLst>
+                </a:gridCol>
+                <a:gridCol w="673100">
+                  <a:extLst>
+                    <a:ext uri="{9D8B030D-6E8A-4147-A177-3AD203B41FA5}">
+                      <a16:colId xmlns:a16="http://schemas.microsoft.com/office/drawing/2014/main" val="3931190410"/>
+                    </a:ext>
+                  </a:extLst>
+                </a:gridCol>
+                <a:gridCol w="673100">
+                  <a:extLst>
+                    <a:ext uri="{9D8B030D-6E8A-4147-A177-3AD203B41FA5}">
+                      <a16:colId xmlns:a16="http://schemas.microsoft.com/office/drawing/2014/main" val="4004075811"/>
+                    </a:ext>
+                  </a:extLst>
+                </a:gridCol>
+                <a:gridCol w="673100">
+                  <a:extLst>
+                    <a:ext uri="{9D8B030D-6E8A-4147-A177-3AD203B41FA5}">
+                      <a16:colId xmlns:a16="http://schemas.microsoft.com/office/drawing/2014/main" val="3721683743"/>
+                    </a:ext>
+                  </a:extLst>
+                </a:gridCol>
+                <a:gridCol w="673100">
+                  <a:extLst>
+                    <a:ext uri="{9D8B030D-6E8A-4147-A177-3AD203B41FA5}">
+                      <a16:colId xmlns:a16="http://schemas.microsoft.com/office/drawing/2014/main" val="2272382081"/>
+                    </a:ext>
+                  </a:extLst>
+                </a:gridCol>
+              </a:tblGrid>
+              <a:tr h="370840">
+                <a:tc>
+                  <a:txBody>
+                    <a:bodyPr/>
+                    <a:lstStyle/>
+                    <a:p>
+                      <a:pPr algn="ctr"/>
+                      <a:r>
+                        <a:rPr lang="en-US" sz="2800" dirty="0" smtClean="0">
+                          <a:latin typeface="+mj-lt"/>
+                        </a:rPr>
+                        <a:t>0</a:t>
+                      </a:r>
+                      <a:endParaRPr lang="lv-LV" sz="2800" dirty="0">
+                        <a:latin typeface="+mj-lt"/>
+                      </a:endParaRPr>
+                    </a:p>
+                  </a:txBody>
+                  <a:tcPr/>
+                </a:tc>
+                <a:tc>
+                  <a:txBody>
+                    <a:bodyPr/>
+                    <a:lstStyle/>
+                    <a:p>
+                      <a:pPr algn="ctr"/>
+                      <a:r>
+                        <a:rPr lang="en-US" sz="2800" dirty="0" smtClean="0">
+                          <a:latin typeface="+mj-lt"/>
+                        </a:rPr>
+                        <a:t>1</a:t>
+                      </a:r>
+                      <a:endParaRPr lang="lv-LV" sz="2800" dirty="0">
+                        <a:latin typeface="+mj-lt"/>
+                      </a:endParaRPr>
+                    </a:p>
+                  </a:txBody>
+                  <a:tcPr/>
+                </a:tc>
+                <a:tc>
+                  <a:txBody>
+                    <a:bodyPr/>
+                    <a:lstStyle/>
+                    <a:p>
+                      <a:pPr algn="ctr"/>
+                      <a:r>
+                        <a:rPr lang="en-US" sz="2800" dirty="0" smtClean="0">
+                          <a:latin typeface="+mj-lt"/>
+                        </a:rPr>
+                        <a:t>2</a:t>
+                      </a:r>
+                      <a:endParaRPr lang="lv-LV" sz="2800" dirty="0">
+                        <a:latin typeface="+mj-lt"/>
+                      </a:endParaRPr>
+                    </a:p>
+                  </a:txBody>
+                  <a:tcPr/>
+                </a:tc>
+                <a:tc>
+                  <a:txBody>
+                    <a:bodyPr/>
+                    <a:lstStyle/>
+                    <a:p>
+                      <a:pPr algn="ctr"/>
+                      <a:r>
+                        <a:rPr lang="en-US" sz="2800" dirty="0" smtClean="0">
+                          <a:latin typeface="+mj-lt"/>
+                        </a:rPr>
+                        <a:t>3</a:t>
+                      </a:r>
+                      <a:endParaRPr lang="lv-LV" sz="2800" dirty="0">
+                        <a:latin typeface="+mj-lt"/>
+                      </a:endParaRPr>
+                    </a:p>
+                  </a:txBody>
+                  <a:tcPr/>
+                </a:tc>
+                <a:tc>
+                  <a:txBody>
+                    <a:bodyPr/>
+                    <a:lstStyle/>
+                    <a:p>
+                      <a:pPr algn="ctr"/>
+                      <a:r>
+                        <a:rPr lang="en-US" sz="2800" dirty="0" smtClean="0">
+                          <a:latin typeface="+mj-lt"/>
+                        </a:rPr>
+                        <a:t>4</a:t>
+                      </a:r>
+                      <a:endParaRPr lang="lv-LV" sz="2800" dirty="0">
+                        <a:latin typeface="+mj-lt"/>
+                      </a:endParaRPr>
+                    </a:p>
+                  </a:txBody>
+                  <a:tcPr/>
+                </a:tc>
+                <a:tc>
+                  <a:txBody>
+                    <a:bodyPr/>
+                    <a:lstStyle/>
+                    <a:p>
+                      <a:pPr algn="ctr"/>
+                      <a:r>
+                        <a:rPr lang="en-US" sz="2800" dirty="0" smtClean="0">
+                          <a:latin typeface="+mj-lt"/>
+                        </a:rPr>
+                        <a:t>5</a:t>
+                      </a:r>
+                      <a:endParaRPr lang="lv-LV" sz="2800" dirty="0">
+                        <a:latin typeface="+mj-lt"/>
+                      </a:endParaRPr>
+                    </a:p>
+                  </a:txBody>
+                  <a:tcPr/>
+                </a:tc>
+                <a:extLst>
+                  <a:ext uri="{0D108BD9-81ED-4DB2-BD59-A6C34878D82A}">
+                    <a16:rowId xmlns:a16="http://schemas.microsoft.com/office/drawing/2014/main" val="2420579141"/>
+                  </a:ext>
+                </a:extLst>
+              </a:tr>
+              <a:tr h="370840">
+                <a:tc>
+                  <a:txBody>
+                    <a:bodyPr/>
+                    <a:lstStyle/>
+                    <a:p>
+                      <a:pPr algn="ctr"/>
+                      <a:r>
+                        <a:rPr lang="lv-LV" sz="2800" dirty="0" smtClean="0">
+                          <a:solidFill>
+                            <a:srgbClr val="00B050"/>
+                          </a:solidFill>
+                          <a:latin typeface="Lucida Console" panose="020B0609040504020204" pitchFamily="49" charset="0"/>
+                        </a:rPr>
+                        <a:t>A</a:t>
+                      </a:r>
+                      <a:endParaRPr lang="lv-LV" sz="2800" dirty="0">
+                        <a:solidFill>
+                          <a:srgbClr val="00B050"/>
+                        </a:solidFill>
+                        <a:latin typeface="Lucida Console" panose="020B0609040504020204" pitchFamily="49" charset="0"/>
+                      </a:endParaRPr>
+                    </a:p>
+                  </a:txBody>
+                  <a:tcPr/>
+                </a:tc>
+                <a:tc>
+                  <a:txBody>
+                    <a:bodyPr/>
+                    <a:lstStyle/>
+                    <a:p>
+                      <a:pPr algn="ctr"/>
+                      <a:r>
+                        <a:rPr lang="lv-LV" sz="2800" dirty="0" smtClean="0">
+                          <a:solidFill>
+                            <a:srgbClr val="00B050"/>
+                          </a:solidFill>
+                          <a:latin typeface="Lucida Console" panose="020B0609040504020204" pitchFamily="49" charset="0"/>
+                        </a:rPr>
+                        <a:t>B</a:t>
+                      </a:r>
+                      <a:endParaRPr lang="lv-LV" sz="2800" dirty="0">
+                        <a:solidFill>
+                          <a:srgbClr val="00B050"/>
+                        </a:solidFill>
+                        <a:latin typeface="Lucida Console" panose="020B0609040504020204" pitchFamily="49" charset="0"/>
+                      </a:endParaRPr>
+                    </a:p>
+                  </a:txBody>
+                  <a:tcPr/>
+                </a:tc>
+                <a:tc>
+                  <a:txBody>
+                    <a:bodyPr/>
+                    <a:lstStyle/>
+                    <a:p>
+                      <a:pPr algn="ctr"/>
+                      <a:r>
+                        <a:rPr lang="lv-LV" sz="2800" dirty="0" smtClean="0">
+                          <a:solidFill>
+                            <a:srgbClr val="00B050"/>
+                          </a:solidFill>
+                          <a:latin typeface="Lucida Console" panose="020B0609040504020204" pitchFamily="49" charset="0"/>
+                        </a:rPr>
+                        <a:t>B</a:t>
+                      </a:r>
+                      <a:endParaRPr lang="lv-LV" sz="2800" dirty="0">
+                        <a:solidFill>
+                          <a:srgbClr val="00B050"/>
+                        </a:solidFill>
+                        <a:latin typeface="Lucida Console" panose="020B0609040504020204" pitchFamily="49" charset="0"/>
+                      </a:endParaRPr>
+                    </a:p>
+                  </a:txBody>
+                  <a:tcPr/>
+                </a:tc>
+                <a:tc>
+                  <a:txBody>
+                    <a:bodyPr/>
+                    <a:lstStyle/>
+                    <a:p>
+                      <a:pPr algn="ctr"/>
+                      <a:r>
+                        <a:rPr lang="lv-LV" sz="2800" dirty="0" smtClean="0">
+                          <a:solidFill>
+                            <a:srgbClr val="00B050"/>
+                          </a:solidFill>
+                          <a:latin typeface="Lucida Console" panose="020B0609040504020204" pitchFamily="49" charset="0"/>
+                        </a:rPr>
+                        <a:t>A</a:t>
+                      </a:r>
+                      <a:endParaRPr lang="lv-LV" sz="2800" dirty="0">
+                        <a:solidFill>
+                          <a:srgbClr val="00B050"/>
+                        </a:solidFill>
+                        <a:latin typeface="Lucida Console" panose="020B0609040504020204" pitchFamily="49" charset="0"/>
+                      </a:endParaRPr>
+                    </a:p>
+                  </a:txBody>
+                  <a:tcPr/>
+                </a:tc>
+                <a:tc>
+                  <a:txBody>
+                    <a:bodyPr/>
+                    <a:lstStyle/>
+                    <a:p>
+                      <a:pPr algn="ctr"/>
+                      <a:r>
+                        <a:rPr lang="lv-LV" sz="2800" dirty="0" smtClean="0">
+                          <a:solidFill>
+                            <a:srgbClr val="00B050"/>
+                          </a:solidFill>
+                          <a:latin typeface="Lucida Console" panose="020B0609040504020204" pitchFamily="49" charset="0"/>
+                        </a:rPr>
+                        <a:t>B</a:t>
+                      </a:r>
+                      <a:endParaRPr lang="lv-LV" sz="2800" dirty="0">
+                        <a:solidFill>
+                          <a:srgbClr val="00B050"/>
+                        </a:solidFill>
+                        <a:latin typeface="Lucida Console" panose="020B0609040504020204" pitchFamily="49" charset="0"/>
+                      </a:endParaRPr>
+                    </a:p>
+                  </a:txBody>
+                  <a:tcPr/>
+                </a:tc>
+                <a:tc>
+                  <a:txBody>
+                    <a:bodyPr/>
+                    <a:lstStyle/>
+                    <a:p>
+                      <a:pPr algn="ctr"/>
+                      <a:endParaRPr lang="lv-LV" sz="2800" dirty="0">
+                        <a:solidFill>
+                          <a:srgbClr val="00B050"/>
+                        </a:solidFill>
+                        <a:latin typeface="Lucida Console" panose="020B0609040504020204" pitchFamily="49" charset="0"/>
+                      </a:endParaRPr>
+                    </a:p>
+                  </a:txBody>
+                  <a:tcPr/>
+                </a:tc>
+                <a:extLst>
+                  <a:ext uri="{0D108BD9-81ED-4DB2-BD59-A6C34878D82A}">
+                    <a16:rowId xmlns:a16="http://schemas.microsoft.com/office/drawing/2014/main" val="2728296662"/>
+                  </a:ext>
+                </a:extLst>
+              </a:tr>
+              <a:tr h="370840">
+                <a:tc>
+                  <a:txBody>
+                    <a:bodyPr/>
+                    <a:lstStyle/>
+                    <a:p>
+                      <a:pPr algn="ctr"/>
+                      <a:r>
+                        <a:rPr lang="lv-LV" sz="2800" dirty="0" smtClean="0">
+                          <a:latin typeface="+mj-lt"/>
+                        </a:rPr>
+                        <a:t>3</a:t>
+                      </a:r>
+                      <a:endParaRPr lang="lv-LV" sz="2800" dirty="0">
+                        <a:latin typeface="+mj-lt"/>
+                      </a:endParaRPr>
+                    </a:p>
+                  </a:txBody>
+                  <a:tcPr/>
+                </a:tc>
+                <a:tc>
+                  <a:txBody>
+                    <a:bodyPr/>
+                    <a:lstStyle/>
+                    <a:p>
+                      <a:pPr algn="ctr"/>
+                      <a:r>
+                        <a:rPr lang="lv-LV" sz="2800" dirty="0" smtClean="0">
+                          <a:latin typeface="+mj-lt"/>
+                        </a:rPr>
+                        <a:t>3</a:t>
+                      </a:r>
+                      <a:endParaRPr lang="lv-LV" sz="2800" dirty="0">
+                        <a:latin typeface="+mj-lt"/>
+                      </a:endParaRPr>
+                    </a:p>
+                  </a:txBody>
+                  <a:tcPr/>
+                </a:tc>
+                <a:tc>
+                  <a:txBody>
+                    <a:bodyPr/>
+                    <a:lstStyle/>
+                    <a:p>
+                      <a:pPr algn="ctr"/>
+                      <a:r>
+                        <a:rPr lang="lv-LV" sz="3200" dirty="0" smtClean="0">
+                          <a:solidFill>
+                            <a:srgbClr val="FF0000"/>
+                          </a:solidFill>
+                          <a:latin typeface="+mj-lt"/>
+                        </a:rPr>
+                        <a:t>3</a:t>
+                      </a:r>
+                      <a:endParaRPr lang="lv-LV" sz="3200" dirty="0">
+                        <a:solidFill>
+                          <a:srgbClr val="FF0000"/>
+                        </a:solidFill>
+                        <a:latin typeface="+mj-lt"/>
+                      </a:endParaRPr>
+                    </a:p>
+                  </a:txBody>
+                  <a:tcPr/>
+                </a:tc>
+                <a:tc>
+                  <a:txBody>
+                    <a:bodyPr/>
+                    <a:lstStyle/>
+                    <a:p>
+                      <a:pPr algn="ctr"/>
+                      <a:r>
+                        <a:rPr lang="lv-LV" sz="2800" dirty="0" smtClean="0">
+                          <a:latin typeface="+mj-lt"/>
+                        </a:rPr>
+                        <a:t>3</a:t>
+                      </a:r>
+                      <a:endParaRPr lang="lv-LV" sz="2800" dirty="0">
+                        <a:latin typeface="+mj-lt"/>
+                      </a:endParaRPr>
+                    </a:p>
+                  </a:txBody>
+                  <a:tcPr/>
+                </a:tc>
+                <a:tc>
+                  <a:txBody>
+                    <a:bodyPr/>
+                    <a:lstStyle/>
+                    <a:p>
+                      <a:pPr algn="ctr"/>
+                      <a:r>
+                        <a:rPr lang="lv-LV" sz="2800" dirty="0" smtClean="0">
+                          <a:latin typeface="+mj-lt"/>
+                        </a:rPr>
+                        <a:t>2</a:t>
+                      </a:r>
+                      <a:endParaRPr lang="lv-LV" sz="2800" dirty="0">
+                        <a:latin typeface="+mj-lt"/>
+                      </a:endParaRPr>
+                    </a:p>
+                  </a:txBody>
+                  <a:tcPr/>
+                </a:tc>
+                <a:tc>
+                  <a:txBody>
+                    <a:bodyPr/>
+                    <a:lstStyle/>
+                    <a:p>
+                      <a:pPr algn="ctr"/>
+                      <a:r>
+                        <a:rPr lang="en-US" sz="2800" dirty="0" smtClean="0">
+                          <a:latin typeface="+mj-lt"/>
+                        </a:rPr>
+                        <a:t>1</a:t>
+                      </a:r>
+                      <a:endParaRPr lang="lv-LV" sz="2800" dirty="0">
+                        <a:latin typeface="+mj-lt"/>
+                      </a:endParaRPr>
+                    </a:p>
+                  </a:txBody>
+                  <a:tcPr/>
+                </a:tc>
+                <a:extLst>
+                  <a:ext uri="{0D108BD9-81ED-4DB2-BD59-A6C34878D82A}">
+                    <a16:rowId xmlns:a16="http://schemas.microsoft.com/office/drawing/2014/main" val="3930308900"/>
+                  </a:ext>
+                </a:extLst>
+              </a:tr>
+            </a:tbl>
+          </a:graphicData>
+        </a:graphic>
+      </p:graphicFrame>
+    </p:spTree>
+    <p:extLst>
+      <p:ext uri="{BB962C8B-B14F-4D97-AF65-F5344CB8AC3E}">
+        <p14:creationId xmlns:p14="http://schemas.microsoft.com/office/powerpoint/2010/main" val="2247498066"/>
+      </p:ext>
+    </p:extLst>
+  </p:cSld>
+  <p:clrMapOvr>
+    <a:masterClrMapping/>
+  </p:clrMapOvr>
+  <p:timing>
+    <p:tnLst>
+      <p:par>
+        <p:cTn id="1" dur="indefinite" restart="never" nodeType="tmRoot"/>
+      </p:par>
+    </p:tnLst>
+  </p:timing>
+</p:sld>
+</file>
+
+<file path=ppt/slides/slide18.xml><?xml version="1.0" encoding="utf-8"?>
+<p:sld xmlns:a="http://schemas.openxmlformats.org/drawingml/2006/main" xmlns:r="http://schemas.openxmlformats.org/officeDocument/2006/relationships" xmlns:p="http://schemas.openxmlformats.org/presentationml/2006/main">
+  <p:cSld>
+    <p:spTree>
+      <p:nvGrpSpPr>
+        <p:cNvPr id="1" name=""/>
+        <p:cNvGrpSpPr/>
+        <p:nvPr/>
+      </p:nvGrpSpPr>
+      <p:grpSpPr>
+        <a:xfrm>
+          <a:off x="0" y="0"/>
+          <a:ext cx="0" cy="0"/>
+          <a:chOff x="0" y="0"/>
+          <a:chExt cx="0" cy="0"/>
+        </a:xfrm>
+      </p:grpSpPr>
+      <p:sp>
+        <p:nvSpPr>
+          <p:cNvPr id="2" name="Title 1"/>
+          <p:cNvSpPr>
+            <a:spLocks noGrp="1"/>
+          </p:cNvSpPr>
+          <p:nvPr>
+            <p:ph type="title"/>
+          </p:nvPr>
+        </p:nvSpPr>
+        <p:spPr/>
+        <p:txBody>
+          <a:bodyPr/>
+          <a:lstStyle/>
+          <a:p>
+            <a:r>
+              <a:rPr lang="lv-LV" dirty="0" smtClean="0"/>
+              <a:t>Case 2</a:t>
+            </a:r>
+            <a:endParaRPr lang="lv-LV" dirty="0"/>
+          </a:p>
+        </p:txBody>
+      </p:sp>
+      <p:sp>
+        <p:nvSpPr>
+          <p:cNvPr id="3" name="Content Placeholder 2"/>
+          <p:cNvSpPr>
+            <a:spLocks noGrp="1"/>
+          </p:cNvSpPr>
+          <p:nvPr>
+            <p:ph idx="1"/>
+          </p:nvPr>
+        </p:nvSpPr>
+        <p:spPr/>
+        <p:txBody>
+          <a:bodyPr/>
+          <a:lstStyle/>
+          <a:p>
+            <a:r>
+              <a:rPr lang="en-US" b="1" dirty="0"/>
+              <a:t>A prefix of P, which matches with suffix of t in T</a:t>
+            </a:r>
+            <a:endParaRPr lang="lv-LV" dirty="0"/>
+          </a:p>
+        </p:txBody>
+      </p:sp>
+      <p:pic>
+        <p:nvPicPr>
+          <p:cNvPr id="4" name="Picture 3"/>
+          <p:cNvPicPr>
+            <a:picLocks noChangeAspect="1"/>
+          </p:cNvPicPr>
+          <p:nvPr/>
+        </p:nvPicPr>
+        <p:blipFill>
+          <a:blip r:embed="rId2"/>
+          <a:stretch>
+            <a:fillRect/>
+          </a:stretch>
+        </p:blipFill>
+        <p:spPr>
+          <a:xfrm>
+            <a:off x="914400" y="2805545"/>
+            <a:ext cx="8058370" cy="3553691"/>
+          </a:xfrm>
+          <a:prstGeom prst="rect">
+            <a:avLst/>
+          </a:prstGeom>
+        </p:spPr>
+      </p:pic>
+    </p:spTree>
+    <p:extLst>
+      <p:ext uri="{BB962C8B-B14F-4D97-AF65-F5344CB8AC3E}">
+        <p14:creationId xmlns:p14="http://schemas.microsoft.com/office/powerpoint/2010/main" val="444251679"/>
+      </p:ext>
+    </p:extLst>
+  </p:cSld>
+  <p:clrMapOvr>
+    <a:masterClrMapping/>
+  </p:clrMapOvr>
+  <p:timing>
+    <p:tnLst>
+      <p:par>
+        <p:cTn id="1" dur="indefinite" restart="never" nodeType="tmRoot"/>
+      </p:par>
+    </p:tnLst>
+  </p:timing>
+</p:sld>
+</file>
+
+<file path=ppt/slides/slide19.xml><?xml version="1.0" encoding="utf-8"?>
+<p:sld xmlns:a="http://schemas.openxmlformats.org/drawingml/2006/main" xmlns:r="http://schemas.openxmlformats.org/officeDocument/2006/relationships" xmlns:p="http://schemas.openxmlformats.org/presentationml/2006/main">
+  <p:cSld>
+    <p:spTree>
+      <p:nvGrpSpPr>
+        <p:cNvPr id="1" name=""/>
+        <p:cNvGrpSpPr/>
+        <p:nvPr/>
+      </p:nvGrpSpPr>
+      <p:grpSpPr>
+        <a:xfrm>
+          <a:off x="0" y="0"/>
+          <a:ext cx="0" cy="0"/>
+          <a:chOff x="0" y="0"/>
+          <a:chExt cx="0" cy="0"/>
+        </a:xfrm>
+      </p:grpSpPr>
+      <p:sp>
+        <p:nvSpPr>
+          <p:cNvPr id="2" name="Title 1"/>
+          <p:cNvSpPr>
+            <a:spLocks noGrp="1"/>
+          </p:cNvSpPr>
+          <p:nvPr>
+            <p:ph type="title"/>
+          </p:nvPr>
+        </p:nvSpPr>
+        <p:spPr/>
+        <p:txBody>
+          <a:bodyPr/>
+          <a:lstStyle/>
+          <a:p>
+            <a:r>
+              <a:rPr lang="en-US" dirty="0" smtClean="0"/>
+              <a:t>Good Suffix Function</a:t>
+            </a:r>
+            <a:endParaRPr lang="lv-LV" dirty="0"/>
+          </a:p>
+        </p:txBody>
+      </p:sp>
+      <p:sp>
+        <p:nvSpPr>
+          <p:cNvPr id="3" name="Content Placeholder 2"/>
+          <p:cNvSpPr>
+            <a:spLocks noGrp="1"/>
+          </p:cNvSpPr>
+          <p:nvPr>
+            <p:ph idx="1"/>
+          </p:nvPr>
+        </p:nvSpPr>
+        <p:spPr/>
+        <p:txBody>
+          <a:bodyPr/>
+          <a:lstStyle/>
+          <a:p>
+            <a:r>
+              <a:rPr lang="en-US" b="1" dirty="0" smtClean="0"/>
+              <a:t>Reference #1: </a:t>
+            </a:r>
+            <a:r>
+              <a:rPr lang="lv-LV" b="1" dirty="0" smtClean="0"/>
+              <a:t>https</a:t>
+            </a:r>
+            <a:r>
+              <a:rPr lang="lv-LV" b="1" dirty="0"/>
+              <a:t>://www.geeksforgeeks.org/boyer-moore-algorithm-good-suffix-heuristic</a:t>
+            </a:r>
+            <a:r>
+              <a:rPr lang="lv-LV" b="1" dirty="0" smtClean="0"/>
+              <a:t>/</a:t>
+            </a:r>
+            <a:endParaRPr lang="en-US" b="1" dirty="0" smtClean="0"/>
+          </a:p>
+          <a:p>
+            <a:r>
+              <a:rPr lang="en-US" dirty="0" smtClean="0"/>
+              <a:t>Pattern = A</a:t>
+            </a:r>
+            <a:r>
+              <a:rPr lang="lv-LV" dirty="0"/>
+              <a:t>B</a:t>
+            </a:r>
+            <a:r>
+              <a:rPr lang="en-US" dirty="0" smtClean="0"/>
+              <a:t>BAB</a:t>
+            </a:r>
+          </a:p>
+          <a:p>
+            <a:endParaRPr lang="en-US" dirty="0"/>
+          </a:p>
+          <a:p>
+            <a:pPr marL="0" indent="0">
+              <a:buNone/>
+            </a:pPr>
+            <a:endParaRPr lang="lv-LV" dirty="0"/>
+          </a:p>
+        </p:txBody>
+      </p:sp>
+      <p:graphicFrame>
+        <p:nvGraphicFramePr>
+          <p:cNvPr id="4" name="Table 3"/>
+          <p:cNvGraphicFramePr>
+            <a:graphicFrameLocks noGrp="1"/>
+          </p:cNvGraphicFramePr>
+          <p:nvPr>
+            <p:extLst>
+              <p:ext uri="{D42A27DB-BD31-4B8C-83A1-F6EECF244321}">
+                <p14:modId xmlns:p14="http://schemas.microsoft.com/office/powerpoint/2010/main" val="1504798290"/>
+              </p:ext>
+            </p:extLst>
+          </p:nvPr>
+        </p:nvGraphicFramePr>
+        <p:xfrm>
+          <a:off x="1066800" y="4130040"/>
+          <a:ext cx="4038600" cy="1615440"/>
+        </p:xfrm>
+        <a:graphic>
+          <a:graphicData uri="http://schemas.openxmlformats.org/drawingml/2006/table">
+            <a:tbl>
+              <a:tblPr firstRow="1" bandRow="1">
+                <a:tableStyleId>{5C22544A-7EE6-4342-B048-85BDC9FD1C3A}</a:tableStyleId>
+              </a:tblPr>
+              <a:tblGrid>
+                <a:gridCol w="673100">
+                  <a:extLst>
+                    <a:ext uri="{9D8B030D-6E8A-4147-A177-3AD203B41FA5}">
+                      <a16:colId xmlns:a16="http://schemas.microsoft.com/office/drawing/2014/main" val="3008046147"/>
+                    </a:ext>
+                  </a:extLst>
+                </a:gridCol>
+                <a:gridCol w="673100">
+                  <a:extLst>
+                    <a:ext uri="{9D8B030D-6E8A-4147-A177-3AD203B41FA5}">
+                      <a16:colId xmlns:a16="http://schemas.microsoft.com/office/drawing/2014/main" val="3019898440"/>
+                    </a:ext>
+                  </a:extLst>
+                </a:gridCol>
+                <a:gridCol w="673100">
+                  <a:extLst>
+                    <a:ext uri="{9D8B030D-6E8A-4147-A177-3AD203B41FA5}">
+                      <a16:colId xmlns:a16="http://schemas.microsoft.com/office/drawing/2014/main" val="3931190410"/>
+                    </a:ext>
+                  </a:extLst>
+                </a:gridCol>
+                <a:gridCol w="673100">
+                  <a:extLst>
+                    <a:ext uri="{9D8B030D-6E8A-4147-A177-3AD203B41FA5}">
+                      <a16:colId xmlns:a16="http://schemas.microsoft.com/office/drawing/2014/main" val="4004075811"/>
+                    </a:ext>
+                  </a:extLst>
+                </a:gridCol>
+                <a:gridCol w="673100">
+                  <a:extLst>
+                    <a:ext uri="{9D8B030D-6E8A-4147-A177-3AD203B41FA5}">
+                      <a16:colId xmlns:a16="http://schemas.microsoft.com/office/drawing/2014/main" val="3721683743"/>
+                    </a:ext>
+                  </a:extLst>
+                </a:gridCol>
+                <a:gridCol w="673100">
+                  <a:extLst>
+                    <a:ext uri="{9D8B030D-6E8A-4147-A177-3AD203B41FA5}">
+                      <a16:colId xmlns:a16="http://schemas.microsoft.com/office/drawing/2014/main" val="2272382081"/>
+                    </a:ext>
+                  </a:extLst>
+                </a:gridCol>
+              </a:tblGrid>
+              <a:tr h="370840">
+                <a:tc>
+                  <a:txBody>
+                    <a:bodyPr/>
+                    <a:lstStyle/>
+                    <a:p>
+                      <a:pPr algn="ctr"/>
+                      <a:r>
+                        <a:rPr lang="en-US" sz="2800" dirty="0" smtClean="0">
+                          <a:latin typeface="+mj-lt"/>
+                        </a:rPr>
+                        <a:t>0</a:t>
+                      </a:r>
+                      <a:endParaRPr lang="lv-LV" sz="2800" dirty="0">
+                        <a:latin typeface="+mj-lt"/>
+                      </a:endParaRPr>
+                    </a:p>
+                  </a:txBody>
+                  <a:tcPr/>
+                </a:tc>
+                <a:tc>
+                  <a:txBody>
+                    <a:bodyPr/>
+                    <a:lstStyle/>
+                    <a:p>
+                      <a:pPr algn="ctr"/>
+                      <a:r>
+                        <a:rPr lang="en-US" sz="2800" dirty="0" smtClean="0">
+                          <a:latin typeface="+mj-lt"/>
+                        </a:rPr>
+                        <a:t>1</a:t>
+                      </a:r>
+                      <a:endParaRPr lang="lv-LV" sz="2800" dirty="0">
+                        <a:latin typeface="+mj-lt"/>
+                      </a:endParaRPr>
+                    </a:p>
+                  </a:txBody>
+                  <a:tcPr/>
+                </a:tc>
+                <a:tc>
+                  <a:txBody>
+                    <a:bodyPr/>
+                    <a:lstStyle/>
+                    <a:p>
+                      <a:pPr algn="ctr"/>
+                      <a:r>
+                        <a:rPr lang="en-US" sz="2800" dirty="0" smtClean="0">
+                          <a:latin typeface="+mj-lt"/>
+                        </a:rPr>
+                        <a:t>2</a:t>
+                      </a:r>
+                      <a:endParaRPr lang="lv-LV" sz="2800" dirty="0">
+                        <a:latin typeface="+mj-lt"/>
+                      </a:endParaRPr>
+                    </a:p>
+                  </a:txBody>
+                  <a:tcPr/>
+                </a:tc>
+                <a:tc>
+                  <a:txBody>
+                    <a:bodyPr/>
+                    <a:lstStyle/>
+                    <a:p>
+                      <a:pPr algn="ctr"/>
+                      <a:r>
+                        <a:rPr lang="en-US" sz="2800" dirty="0" smtClean="0">
+                          <a:latin typeface="+mj-lt"/>
+                        </a:rPr>
+                        <a:t>3</a:t>
+                      </a:r>
+                      <a:endParaRPr lang="lv-LV" sz="2800" dirty="0">
+                        <a:latin typeface="+mj-lt"/>
+                      </a:endParaRPr>
+                    </a:p>
+                  </a:txBody>
+                  <a:tcPr/>
+                </a:tc>
+                <a:tc>
+                  <a:txBody>
+                    <a:bodyPr/>
+                    <a:lstStyle/>
+                    <a:p>
+                      <a:pPr algn="ctr"/>
+                      <a:r>
+                        <a:rPr lang="en-US" sz="2800" dirty="0" smtClean="0">
+                          <a:latin typeface="+mj-lt"/>
+                        </a:rPr>
+                        <a:t>4</a:t>
+                      </a:r>
+                      <a:endParaRPr lang="lv-LV" sz="2800" dirty="0">
+                        <a:latin typeface="+mj-lt"/>
+                      </a:endParaRPr>
+                    </a:p>
+                  </a:txBody>
+                  <a:tcPr/>
+                </a:tc>
+                <a:tc>
+                  <a:txBody>
+                    <a:bodyPr/>
+                    <a:lstStyle/>
+                    <a:p>
+                      <a:pPr algn="ctr"/>
+                      <a:r>
+                        <a:rPr lang="en-US" sz="2800" dirty="0" smtClean="0">
+                          <a:latin typeface="+mj-lt"/>
+                        </a:rPr>
+                        <a:t>5</a:t>
+                      </a:r>
+                      <a:endParaRPr lang="lv-LV" sz="2800" dirty="0">
+                        <a:latin typeface="+mj-lt"/>
+                      </a:endParaRPr>
+                    </a:p>
+                  </a:txBody>
+                  <a:tcPr/>
+                </a:tc>
+                <a:extLst>
+                  <a:ext uri="{0D108BD9-81ED-4DB2-BD59-A6C34878D82A}">
+                    <a16:rowId xmlns:a16="http://schemas.microsoft.com/office/drawing/2014/main" val="2420579141"/>
+                  </a:ext>
+                </a:extLst>
+              </a:tr>
+              <a:tr h="370840">
+                <a:tc>
+                  <a:txBody>
+                    <a:bodyPr/>
+                    <a:lstStyle/>
+                    <a:p>
+                      <a:pPr algn="ctr"/>
+                      <a:r>
+                        <a:rPr lang="lv-LV" sz="2800" dirty="0" smtClean="0">
+                          <a:solidFill>
+                            <a:srgbClr val="00B050"/>
+                          </a:solidFill>
+                          <a:latin typeface="Lucida Console" panose="020B0609040504020204" pitchFamily="49" charset="0"/>
+                        </a:rPr>
+                        <a:t>C</a:t>
+                      </a:r>
+                      <a:endParaRPr lang="lv-LV" sz="2800" dirty="0">
+                        <a:solidFill>
+                          <a:srgbClr val="00B050"/>
+                        </a:solidFill>
+                        <a:latin typeface="Lucida Console" panose="020B0609040504020204" pitchFamily="49" charset="0"/>
+                      </a:endParaRPr>
+                    </a:p>
+                  </a:txBody>
+                  <a:tcPr/>
+                </a:tc>
+                <a:tc>
+                  <a:txBody>
+                    <a:bodyPr/>
+                    <a:lstStyle/>
+                    <a:p>
+                      <a:pPr algn="ctr"/>
+                      <a:r>
+                        <a:rPr lang="lv-LV" sz="2800" dirty="0" smtClean="0">
+                          <a:solidFill>
+                            <a:srgbClr val="00B050"/>
+                          </a:solidFill>
+                          <a:latin typeface="Lucida Console" panose="020B0609040504020204" pitchFamily="49" charset="0"/>
+                        </a:rPr>
+                        <a:t>B</a:t>
+                      </a:r>
+                      <a:endParaRPr lang="lv-LV" sz="2800" dirty="0">
+                        <a:solidFill>
+                          <a:srgbClr val="00B050"/>
+                        </a:solidFill>
+                        <a:latin typeface="Lucida Console" panose="020B0609040504020204" pitchFamily="49" charset="0"/>
+                      </a:endParaRPr>
+                    </a:p>
+                  </a:txBody>
+                  <a:tcPr/>
+                </a:tc>
+                <a:tc>
+                  <a:txBody>
+                    <a:bodyPr/>
+                    <a:lstStyle/>
+                    <a:p>
+                      <a:pPr algn="ctr"/>
+                      <a:r>
+                        <a:rPr lang="lv-LV" sz="2800" dirty="0" smtClean="0">
+                          <a:solidFill>
+                            <a:srgbClr val="00B050"/>
+                          </a:solidFill>
+                          <a:latin typeface="Lucida Console" panose="020B0609040504020204" pitchFamily="49" charset="0"/>
+                        </a:rPr>
+                        <a:t>A</a:t>
+                      </a:r>
+                      <a:endParaRPr lang="lv-LV" sz="2800" dirty="0">
+                        <a:solidFill>
+                          <a:srgbClr val="00B050"/>
+                        </a:solidFill>
+                        <a:latin typeface="Lucida Console" panose="020B0609040504020204" pitchFamily="49" charset="0"/>
+                      </a:endParaRPr>
+                    </a:p>
+                  </a:txBody>
+                  <a:tcPr/>
+                </a:tc>
+                <a:tc>
+                  <a:txBody>
+                    <a:bodyPr/>
+                    <a:lstStyle/>
+                    <a:p>
+                      <a:pPr algn="ctr"/>
+                      <a:r>
+                        <a:rPr lang="lv-LV" sz="2800" dirty="0" smtClean="0">
+                          <a:solidFill>
+                            <a:srgbClr val="00B050"/>
+                          </a:solidFill>
+                          <a:latin typeface="Lucida Console" panose="020B0609040504020204" pitchFamily="49" charset="0"/>
+                        </a:rPr>
+                        <a:t>A</a:t>
+                      </a:r>
+                      <a:endParaRPr lang="lv-LV" sz="2800" dirty="0">
+                        <a:solidFill>
+                          <a:srgbClr val="00B050"/>
+                        </a:solidFill>
+                        <a:latin typeface="Lucida Console" panose="020B0609040504020204" pitchFamily="49" charset="0"/>
+                      </a:endParaRPr>
+                    </a:p>
+                  </a:txBody>
+                  <a:tcPr/>
+                </a:tc>
+                <a:tc>
+                  <a:txBody>
+                    <a:bodyPr/>
+                    <a:lstStyle/>
+                    <a:p>
+                      <a:pPr algn="ctr"/>
+                      <a:r>
+                        <a:rPr lang="lv-LV" sz="2800" dirty="0" smtClean="0">
+                          <a:solidFill>
+                            <a:srgbClr val="00B050"/>
+                          </a:solidFill>
+                          <a:latin typeface="Lucida Console" panose="020B0609040504020204" pitchFamily="49" charset="0"/>
+                        </a:rPr>
+                        <a:t>B</a:t>
+                      </a:r>
+                      <a:endParaRPr lang="lv-LV" sz="2800" dirty="0">
+                        <a:solidFill>
+                          <a:srgbClr val="00B050"/>
+                        </a:solidFill>
+                        <a:latin typeface="Lucida Console" panose="020B0609040504020204" pitchFamily="49" charset="0"/>
+                      </a:endParaRPr>
+                    </a:p>
+                  </a:txBody>
+                  <a:tcPr/>
+                </a:tc>
+                <a:tc>
+                  <a:txBody>
+                    <a:bodyPr/>
+                    <a:lstStyle/>
+                    <a:p>
+                      <a:pPr algn="ctr"/>
+                      <a:endParaRPr lang="lv-LV" sz="2800" dirty="0">
+                        <a:solidFill>
+                          <a:srgbClr val="00B050"/>
+                        </a:solidFill>
+                        <a:latin typeface="Lucida Console" panose="020B0609040504020204" pitchFamily="49" charset="0"/>
+                      </a:endParaRPr>
+                    </a:p>
+                  </a:txBody>
+                  <a:tcPr/>
+                </a:tc>
+                <a:extLst>
+                  <a:ext uri="{0D108BD9-81ED-4DB2-BD59-A6C34878D82A}">
+                    <a16:rowId xmlns:a16="http://schemas.microsoft.com/office/drawing/2014/main" val="2728296662"/>
+                  </a:ext>
+                </a:extLst>
+              </a:tr>
+              <a:tr h="370840">
+                <a:tc>
+                  <a:txBody>
+                    <a:bodyPr/>
+                    <a:lstStyle/>
+                    <a:p>
+                      <a:pPr algn="ctr"/>
+                      <a:r>
+                        <a:rPr lang="lv-LV" sz="2800" dirty="0" smtClean="0">
+                          <a:latin typeface="+mj-lt"/>
+                        </a:rPr>
+                        <a:t>5</a:t>
+                      </a:r>
+                      <a:endParaRPr lang="lv-LV" sz="2800" dirty="0">
+                        <a:latin typeface="+mj-lt"/>
+                      </a:endParaRPr>
+                    </a:p>
+                  </a:txBody>
+                  <a:tcPr/>
+                </a:tc>
+                <a:tc>
+                  <a:txBody>
+                    <a:bodyPr/>
+                    <a:lstStyle/>
+                    <a:p>
+                      <a:pPr algn="ctr"/>
+                      <a:r>
+                        <a:rPr lang="lv-LV" sz="2800" dirty="0" smtClean="0">
+                          <a:latin typeface="+mj-lt"/>
+                        </a:rPr>
+                        <a:t>5</a:t>
+                      </a:r>
+                      <a:endParaRPr lang="lv-LV" sz="2800" dirty="0">
+                        <a:latin typeface="+mj-lt"/>
+                      </a:endParaRPr>
+                    </a:p>
+                  </a:txBody>
+                  <a:tcPr/>
+                </a:tc>
+                <a:tc>
+                  <a:txBody>
+                    <a:bodyPr/>
+                    <a:lstStyle/>
+                    <a:p>
+                      <a:pPr algn="ctr"/>
+                      <a:r>
+                        <a:rPr lang="lv-LV" sz="2800" dirty="0" smtClean="0">
+                          <a:latin typeface="+mj-lt"/>
+                        </a:rPr>
+                        <a:t>5</a:t>
+                      </a:r>
+                      <a:endParaRPr lang="lv-LV" sz="2800" dirty="0">
+                        <a:latin typeface="+mj-lt"/>
+                      </a:endParaRPr>
+                    </a:p>
+                  </a:txBody>
+                  <a:tcPr/>
+                </a:tc>
+                <a:tc>
+                  <a:txBody>
+                    <a:bodyPr/>
+                    <a:lstStyle/>
+                    <a:p>
+                      <a:pPr algn="ctr"/>
+                      <a:r>
+                        <a:rPr lang="lv-LV" sz="3200" dirty="0" smtClean="0">
+                          <a:solidFill>
+                            <a:srgbClr val="FF0000"/>
+                          </a:solidFill>
+                          <a:latin typeface="+mj-lt"/>
+                        </a:rPr>
+                        <a:t>5</a:t>
+                      </a:r>
+                      <a:endParaRPr lang="lv-LV" sz="3200" dirty="0">
+                        <a:solidFill>
+                          <a:srgbClr val="FF0000"/>
+                        </a:solidFill>
+                        <a:latin typeface="+mj-lt"/>
+                      </a:endParaRPr>
+                    </a:p>
+                  </a:txBody>
+                  <a:tcPr/>
+                </a:tc>
+                <a:tc>
+                  <a:txBody>
+                    <a:bodyPr/>
+                    <a:lstStyle/>
+                    <a:p>
+                      <a:pPr algn="ctr"/>
+                      <a:r>
+                        <a:rPr lang="lv-LV" sz="2800" dirty="0" smtClean="0">
+                          <a:latin typeface="+mj-lt"/>
+                        </a:rPr>
+                        <a:t>3</a:t>
+                      </a:r>
+                      <a:endParaRPr lang="lv-LV" sz="2800" dirty="0">
+                        <a:latin typeface="+mj-lt"/>
+                      </a:endParaRPr>
+                    </a:p>
+                  </a:txBody>
+                  <a:tcPr/>
+                </a:tc>
+                <a:tc>
+                  <a:txBody>
+                    <a:bodyPr/>
+                    <a:lstStyle/>
+                    <a:p>
+                      <a:pPr algn="ctr"/>
+                      <a:r>
+                        <a:rPr lang="en-US" sz="2800" dirty="0" smtClean="0">
+                          <a:latin typeface="+mj-lt"/>
+                        </a:rPr>
+                        <a:t>1</a:t>
+                      </a:r>
+                      <a:endParaRPr lang="lv-LV" sz="2800" dirty="0">
+                        <a:latin typeface="+mj-lt"/>
+                      </a:endParaRPr>
+                    </a:p>
+                  </a:txBody>
+                  <a:tcPr/>
+                </a:tc>
+                <a:extLst>
+                  <a:ext uri="{0D108BD9-81ED-4DB2-BD59-A6C34878D82A}">
+                    <a16:rowId xmlns:a16="http://schemas.microsoft.com/office/drawing/2014/main" val="3930308900"/>
+                  </a:ext>
+                </a:extLst>
+              </a:tr>
+            </a:tbl>
+          </a:graphicData>
+        </a:graphic>
+      </p:graphicFrame>
+    </p:spTree>
+    <p:extLst>
+      <p:ext uri="{BB962C8B-B14F-4D97-AF65-F5344CB8AC3E}">
+        <p14:creationId xmlns:p14="http://schemas.microsoft.com/office/powerpoint/2010/main" val="314887985"/>
+      </p:ext>
+    </p:extLst>
+  </p:cSld>
+  <p:clrMapOvr>
+    <a:masterClrMapping/>
+  </p:clrMapOvr>
+  <p:timing>
+    <p:tnLst>
+      <p:par>
+        <p:cTn id="1" dur="indefinite" restart="never" nodeType="tmRoot"/>
+      </p:par>
+    </p:tnLst>
+  </p:timing>
+</p:sld>
+</file>
+
 <file path=ppt/slides/slide2.xml><?xml version="1.0" encoding="utf-8"?>
 <p:sld xmlns:a="http://schemas.openxmlformats.org/drawingml/2006/main" xmlns:r="http://schemas.openxmlformats.org/officeDocument/2006/relationships" xmlns:p="http://schemas.openxmlformats.org/presentationml/2006/main">
   <p:cSld>
@@ -6851,15 +8866,7 @@
           <a:p>
             <a:r>
               <a:rPr lang="en-US" dirty="0" smtClean="0"/>
-              <a:t>You may need to use string search to optimize other </a:t>
-            </a:r>
-            <a:r>
-              <a:rPr lang="en-US" dirty="0" smtClean="0"/>
-              <a:t>algorithms – like </a:t>
-            </a:r>
-            <a:r>
-              <a:rPr lang="en-US" dirty="0" smtClean="0"/>
-              <a:t>Regular Expression matching.</a:t>
+              <a:t>You may need to use string search to optimize other algorithms – like Regular Expression matching.</a:t>
             </a:r>
             <a:endParaRPr lang="lv-LV" dirty="0"/>
           </a:p>
@@ -6875,6 +8882,1491 @@
   <p:clrMapOvr>
     <a:masterClrMapping/>
   </p:clrMapOvr>
+</p:sld>
+</file>
+
+<file path=ppt/slides/slide20.xml><?xml version="1.0" encoding="utf-8"?>
+<p:sld xmlns:a="http://schemas.openxmlformats.org/drawingml/2006/main" xmlns:r="http://schemas.openxmlformats.org/officeDocument/2006/relationships" xmlns:p="http://schemas.openxmlformats.org/presentationml/2006/main">
+  <p:cSld>
+    <p:spTree>
+      <p:nvGrpSpPr>
+        <p:cNvPr id="1" name=""/>
+        <p:cNvGrpSpPr/>
+        <p:nvPr/>
+      </p:nvGrpSpPr>
+      <p:grpSpPr>
+        <a:xfrm>
+          <a:off x="0" y="0"/>
+          <a:ext cx="0" cy="0"/>
+          <a:chOff x="0" y="0"/>
+          <a:chExt cx="0" cy="0"/>
+        </a:xfrm>
+      </p:grpSpPr>
+      <p:sp>
+        <p:nvSpPr>
+          <p:cNvPr id="2" name="Title 1"/>
+          <p:cNvSpPr>
+            <a:spLocks noGrp="1"/>
+          </p:cNvSpPr>
+          <p:nvPr>
+            <p:ph type="title"/>
+          </p:nvPr>
+        </p:nvSpPr>
+        <p:spPr/>
+        <p:txBody>
+          <a:bodyPr/>
+          <a:lstStyle/>
+          <a:p>
+            <a:r>
+              <a:rPr lang="lv-LV" dirty="0" smtClean="0"/>
+              <a:t>Case 3</a:t>
+            </a:r>
+            <a:endParaRPr lang="lv-LV" dirty="0"/>
+          </a:p>
+        </p:txBody>
+      </p:sp>
+      <p:sp>
+        <p:nvSpPr>
+          <p:cNvPr id="3" name="Content Placeholder 2"/>
+          <p:cNvSpPr>
+            <a:spLocks noGrp="1"/>
+          </p:cNvSpPr>
+          <p:nvPr>
+            <p:ph idx="1"/>
+          </p:nvPr>
+        </p:nvSpPr>
+        <p:spPr/>
+        <p:txBody>
+          <a:bodyPr/>
+          <a:lstStyle/>
+          <a:p>
+            <a:r>
+              <a:rPr lang="lv-LV" b="1" dirty="0"/>
+              <a:t>P moves past t</a:t>
+            </a:r>
+            <a:endParaRPr lang="lv-LV" dirty="0"/>
+          </a:p>
+        </p:txBody>
+      </p:sp>
+      <p:pic>
+        <p:nvPicPr>
+          <p:cNvPr id="4" name="Picture 3"/>
+          <p:cNvPicPr>
+            <a:picLocks noChangeAspect="1"/>
+          </p:cNvPicPr>
+          <p:nvPr/>
+        </p:nvPicPr>
+        <p:blipFill>
+          <a:blip r:embed="rId2"/>
+          <a:stretch>
+            <a:fillRect/>
+          </a:stretch>
+        </p:blipFill>
+        <p:spPr>
+          <a:xfrm>
+            <a:off x="1066800" y="2710814"/>
+            <a:ext cx="8087642" cy="3702177"/>
+          </a:xfrm>
+          <a:prstGeom prst="rect">
+            <a:avLst/>
+          </a:prstGeom>
+        </p:spPr>
+      </p:pic>
+    </p:spTree>
+    <p:extLst>
+      <p:ext uri="{BB962C8B-B14F-4D97-AF65-F5344CB8AC3E}">
+        <p14:creationId xmlns:p14="http://schemas.microsoft.com/office/powerpoint/2010/main" val="596222080"/>
+      </p:ext>
+    </p:extLst>
+  </p:cSld>
+  <p:clrMapOvr>
+    <a:masterClrMapping/>
+  </p:clrMapOvr>
+  <p:timing>
+    <p:tnLst>
+      <p:par>
+        <p:cTn id="1" dur="indefinite" restart="never" nodeType="tmRoot"/>
+      </p:par>
+    </p:tnLst>
+  </p:timing>
+</p:sld>
+</file>
+
+<file path=ppt/slides/slide21.xml><?xml version="1.0" encoding="utf-8"?>
+<p:sld xmlns:a="http://schemas.openxmlformats.org/drawingml/2006/main" xmlns:r="http://schemas.openxmlformats.org/officeDocument/2006/relationships" xmlns:p="http://schemas.openxmlformats.org/presentationml/2006/main">
+  <p:cSld>
+    <p:spTree>
+      <p:nvGrpSpPr>
+        <p:cNvPr id="1" name=""/>
+        <p:cNvGrpSpPr/>
+        <p:nvPr/>
+      </p:nvGrpSpPr>
+      <p:grpSpPr>
+        <a:xfrm>
+          <a:off x="0" y="0"/>
+          <a:ext cx="0" cy="0"/>
+          <a:chOff x="0" y="0"/>
+          <a:chExt cx="0" cy="0"/>
+        </a:xfrm>
+      </p:grpSpPr>
+      <p:sp>
+        <p:nvSpPr>
+          <p:cNvPr id="2" name="Title 1"/>
+          <p:cNvSpPr>
+            <a:spLocks noGrp="1"/>
+          </p:cNvSpPr>
+          <p:nvPr>
+            <p:ph type="title"/>
+          </p:nvPr>
+        </p:nvSpPr>
+        <p:spPr/>
+        <p:txBody>
+          <a:bodyPr/>
+          <a:lstStyle/>
+          <a:p>
+            <a:r>
+              <a:rPr lang="lv-LV" dirty="0" smtClean="0"/>
+              <a:t>Good Suffix may be Suboptimal</a:t>
+            </a:r>
+            <a:endParaRPr lang="lv-LV" dirty="0"/>
+          </a:p>
+        </p:txBody>
+      </p:sp>
+      <p:sp>
+        <p:nvSpPr>
+          <p:cNvPr id="3" name="Content Placeholder 2"/>
+          <p:cNvSpPr>
+            <a:spLocks noGrp="1"/>
+          </p:cNvSpPr>
+          <p:nvPr>
+            <p:ph idx="1"/>
+          </p:nvPr>
+        </p:nvSpPr>
+        <p:spPr/>
+        <p:txBody>
+          <a:bodyPr/>
+          <a:lstStyle/>
+          <a:p>
+            <a:endParaRPr lang="lv-LV"/>
+          </a:p>
+        </p:txBody>
+      </p:sp>
+      <p:pic>
+        <p:nvPicPr>
+          <p:cNvPr id="4" name="Picture 3"/>
+          <p:cNvPicPr>
+            <a:picLocks noChangeAspect="1"/>
+          </p:cNvPicPr>
+          <p:nvPr/>
+        </p:nvPicPr>
+        <p:blipFill>
+          <a:blip r:embed="rId2"/>
+          <a:stretch>
+            <a:fillRect/>
+          </a:stretch>
+        </p:blipFill>
+        <p:spPr>
+          <a:xfrm>
+            <a:off x="990599" y="2971800"/>
+            <a:ext cx="8190535" cy="3886200"/>
+          </a:xfrm>
+          <a:prstGeom prst="rect">
+            <a:avLst/>
+          </a:prstGeom>
+        </p:spPr>
+      </p:pic>
+    </p:spTree>
+    <p:extLst>
+      <p:ext uri="{BB962C8B-B14F-4D97-AF65-F5344CB8AC3E}">
+        <p14:creationId xmlns:p14="http://schemas.microsoft.com/office/powerpoint/2010/main" val="1826644140"/>
+      </p:ext>
+    </p:extLst>
+  </p:cSld>
+  <p:clrMapOvr>
+    <a:masterClrMapping/>
+  </p:clrMapOvr>
+  <p:timing>
+    <p:tnLst>
+      <p:par>
+        <p:cTn id="1" dur="indefinite" restart="never" nodeType="tmRoot"/>
+      </p:par>
+    </p:tnLst>
+  </p:timing>
+</p:sld>
+</file>
+
+<file path=ppt/slides/slide22.xml><?xml version="1.0" encoding="utf-8"?>
+<p:sld xmlns:a="http://schemas.openxmlformats.org/drawingml/2006/main" xmlns:r="http://schemas.openxmlformats.org/officeDocument/2006/relationships" xmlns:p="http://schemas.openxmlformats.org/presentationml/2006/main">
+  <p:cSld>
+    <p:spTree>
+      <p:nvGrpSpPr>
+        <p:cNvPr id="1" name=""/>
+        <p:cNvGrpSpPr/>
+        <p:nvPr/>
+      </p:nvGrpSpPr>
+      <p:grpSpPr>
+        <a:xfrm>
+          <a:off x="0" y="0"/>
+          <a:ext cx="0" cy="0"/>
+          <a:chOff x="0" y="0"/>
+          <a:chExt cx="0" cy="0"/>
+        </a:xfrm>
+      </p:grpSpPr>
+      <p:sp>
+        <p:nvSpPr>
+          <p:cNvPr id="2" name="Title 1"/>
+          <p:cNvSpPr>
+            <a:spLocks noGrp="1"/>
+          </p:cNvSpPr>
+          <p:nvPr>
+            <p:ph type="title"/>
+          </p:nvPr>
+        </p:nvSpPr>
+        <p:spPr/>
+        <p:txBody>
+          <a:bodyPr/>
+          <a:lstStyle/>
+          <a:p>
+            <a:r>
+              <a:rPr lang="lv-LV" dirty="0" smtClean="0"/>
+              <a:t>Revisiting an Earlier Example</a:t>
+            </a:r>
+            <a:endParaRPr lang="lv-LV" dirty="0"/>
+          </a:p>
+        </p:txBody>
+      </p:sp>
+      <p:sp>
+        <p:nvSpPr>
+          <p:cNvPr id="3" name="Content Placeholder 2"/>
+          <p:cNvSpPr>
+            <a:spLocks noGrp="1"/>
+          </p:cNvSpPr>
+          <p:nvPr>
+            <p:ph idx="1"/>
+          </p:nvPr>
+        </p:nvSpPr>
+        <p:spPr/>
+        <p:txBody>
+          <a:bodyPr/>
+          <a:lstStyle/>
+          <a:p>
+            <a:r>
+              <a:rPr lang="en-US" dirty="0" smtClean="0"/>
+              <a:t>Pattern = CABAB</a:t>
+            </a:r>
+          </a:p>
+          <a:p>
+            <a:endParaRPr lang="en-US" dirty="0"/>
+          </a:p>
+          <a:p>
+            <a:pPr marL="0" indent="0">
+              <a:buNone/>
+            </a:pPr>
+            <a:endParaRPr lang="lv-LV" dirty="0"/>
+          </a:p>
+        </p:txBody>
+      </p:sp>
+      <p:graphicFrame>
+        <p:nvGraphicFramePr>
+          <p:cNvPr id="4" name="Table 3"/>
+          <p:cNvGraphicFramePr>
+            <a:graphicFrameLocks noGrp="1"/>
+          </p:cNvGraphicFramePr>
+          <p:nvPr>
+            <p:extLst>
+              <p:ext uri="{D42A27DB-BD31-4B8C-83A1-F6EECF244321}">
+                <p14:modId xmlns:p14="http://schemas.microsoft.com/office/powerpoint/2010/main" val="1380677175"/>
+              </p:ext>
+            </p:extLst>
+          </p:nvPr>
+        </p:nvGraphicFramePr>
+        <p:xfrm>
+          <a:off x="2209800" y="2560320"/>
+          <a:ext cx="4038600" cy="1691640"/>
+        </p:xfrm>
+        <a:graphic>
+          <a:graphicData uri="http://schemas.openxmlformats.org/drawingml/2006/table">
+            <a:tbl>
+              <a:tblPr firstRow="1" bandRow="1">
+                <a:tableStyleId>{5C22544A-7EE6-4342-B048-85BDC9FD1C3A}</a:tableStyleId>
+              </a:tblPr>
+              <a:tblGrid>
+                <a:gridCol w="673100">
+                  <a:extLst>
+                    <a:ext uri="{9D8B030D-6E8A-4147-A177-3AD203B41FA5}">
+                      <a16:colId xmlns:a16="http://schemas.microsoft.com/office/drawing/2014/main" val="3008046147"/>
+                    </a:ext>
+                  </a:extLst>
+                </a:gridCol>
+                <a:gridCol w="673100">
+                  <a:extLst>
+                    <a:ext uri="{9D8B030D-6E8A-4147-A177-3AD203B41FA5}">
+                      <a16:colId xmlns:a16="http://schemas.microsoft.com/office/drawing/2014/main" val="3019898440"/>
+                    </a:ext>
+                  </a:extLst>
+                </a:gridCol>
+                <a:gridCol w="673100">
+                  <a:extLst>
+                    <a:ext uri="{9D8B030D-6E8A-4147-A177-3AD203B41FA5}">
+                      <a16:colId xmlns:a16="http://schemas.microsoft.com/office/drawing/2014/main" val="3931190410"/>
+                    </a:ext>
+                  </a:extLst>
+                </a:gridCol>
+                <a:gridCol w="673100">
+                  <a:extLst>
+                    <a:ext uri="{9D8B030D-6E8A-4147-A177-3AD203B41FA5}">
+                      <a16:colId xmlns:a16="http://schemas.microsoft.com/office/drawing/2014/main" val="4004075811"/>
+                    </a:ext>
+                  </a:extLst>
+                </a:gridCol>
+                <a:gridCol w="673100">
+                  <a:extLst>
+                    <a:ext uri="{9D8B030D-6E8A-4147-A177-3AD203B41FA5}">
+                      <a16:colId xmlns:a16="http://schemas.microsoft.com/office/drawing/2014/main" val="3721683743"/>
+                    </a:ext>
+                  </a:extLst>
+                </a:gridCol>
+                <a:gridCol w="673100">
+                  <a:extLst>
+                    <a:ext uri="{9D8B030D-6E8A-4147-A177-3AD203B41FA5}">
+                      <a16:colId xmlns:a16="http://schemas.microsoft.com/office/drawing/2014/main" val="2272382081"/>
+                    </a:ext>
+                  </a:extLst>
+                </a:gridCol>
+              </a:tblGrid>
+              <a:tr h="533400">
+                <a:tc>
+                  <a:txBody>
+                    <a:bodyPr/>
+                    <a:lstStyle/>
+                    <a:p>
+                      <a:pPr algn="ctr"/>
+                      <a:r>
+                        <a:rPr lang="en-US" sz="2800" dirty="0" smtClean="0">
+                          <a:latin typeface="+mj-lt"/>
+                        </a:rPr>
+                        <a:t>0</a:t>
+                      </a:r>
+                      <a:endParaRPr lang="lv-LV" sz="2800" dirty="0">
+                        <a:latin typeface="+mj-lt"/>
+                      </a:endParaRPr>
+                    </a:p>
+                  </a:txBody>
+                  <a:tcPr/>
+                </a:tc>
+                <a:tc>
+                  <a:txBody>
+                    <a:bodyPr/>
+                    <a:lstStyle/>
+                    <a:p>
+                      <a:pPr algn="ctr"/>
+                      <a:r>
+                        <a:rPr lang="en-US" sz="2800" dirty="0" smtClean="0">
+                          <a:latin typeface="+mj-lt"/>
+                        </a:rPr>
+                        <a:t>1</a:t>
+                      </a:r>
+                      <a:endParaRPr lang="lv-LV" sz="2800" dirty="0">
+                        <a:latin typeface="+mj-lt"/>
+                      </a:endParaRPr>
+                    </a:p>
+                  </a:txBody>
+                  <a:tcPr/>
+                </a:tc>
+                <a:tc>
+                  <a:txBody>
+                    <a:bodyPr/>
+                    <a:lstStyle/>
+                    <a:p>
+                      <a:pPr algn="ctr"/>
+                      <a:r>
+                        <a:rPr lang="en-US" sz="2800" dirty="0" smtClean="0">
+                          <a:latin typeface="+mj-lt"/>
+                        </a:rPr>
+                        <a:t>2</a:t>
+                      </a:r>
+                      <a:endParaRPr lang="lv-LV" sz="2800" dirty="0">
+                        <a:latin typeface="+mj-lt"/>
+                      </a:endParaRPr>
+                    </a:p>
+                  </a:txBody>
+                  <a:tcPr/>
+                </a:tc>
+                <a:tc>
+                  <a:txBody>
+                    <a:bodyPr/>
+                    <a:lstStyle/>
+                    <a:p>
+                      <a:pPr algn="ctr"/>
+                      <a:r>
+                        <a:rPr lang="en-US" sz="2800" dirty="0" smtClean="0">
+                          <a:latin typeface="+mj-lt"/>
+                        </a:rPr>
+                        <a:t>3</a:t>
+                      </a:r>
+                      <a:endParaRPr lang="lv-LV" sz="2800" dirty="0">
+                        <a:latin typeface="+mj-lt"/>
+                      </a:endParaRPr>
+                    </a:p>
+                  </a:txBody>
+                  <a:tcPr/>
+                </a:tc>
+                <a:tc>
+                  <a:txBody>
+                    <a:bodyPr/>
+                    <a:lstStyle/>
+                    <a:p>
+                      <a:pPr algn="ctr"/>
+                      <a:r>
+                        <a:rPr lang="en-US" sz="2800" dirty="0" smtClean="0">
+                          <a:latin typeface="+mj-lt"/>
+                        </a:rPr>
+                        <a:t>4</a:t>
+                      </a:r>
+                      <a:endParaRPr lang="lv-LV" sz="2800" dirty="0">
+                        <a:latin typeface="+mj-lt"/>
+                      </a:endParaRPr>
+                    </a:p>
+                  </a:txBody>
+                  <a:tcPr/>
+                </a:tc>
+                <a:tc>
+                  <a:txBody>
+                    <a:bodyPr/>
+                    <a:lstStyle/>
+                    <a:p>
+                      <a:pPr algn="ctr"/>
+                      <a:r>
+                        <a:rPr lang="en-US" sz="2800" dirty="0" smtClean="0">
+                          <a:latin typeface="+mj-lt"/>
+                        </a:rPr>
+                        <a:t>5</a:t>
+                      </a:r>
+                      <a:endParaRPr lang="lv-LV" sz="2800" dirty="0">
+                        <a:latin typeface="+mj-lt"/>
+                      </a:endParaRPr>
+                    </a:p>
+                  </a:txBody>
+                  <a:tcPr/>
+                </a:tc>
+                <a:extLst>
+                  <a:ext uri="{0D108BD9-81ED-4DB2-BD59-A6C34878D82A}">
+                    <a16:rowId xmlns:a16="http://schemas.microsoft.com/office/drawing/2014/main" val="2420579141"/>
+                  </a:ext>
+                </a:extLst>
+              </a:tr>
+              <a:tr h="370840">
+                <a:tc>
+                  <a:txBody>
+                    <a:bodyPr/>
+                    <a:lstStyle/>
+                    <a:p>
+                      <a:pPr algn="ctr"/>
+                      <a:r>
+                        <a:rPr lang="lv-LV" sz="2800" dirty="0" smtClean="0">
+                          <a:solidFill>
+                            <a:srgbClr val="00B050"/>
+                          </a:solidFill>
+                          <a:latin typeface="Lucida Console" panose="020B0609040504020204" pitchFamily="49" charset="0"/>
+                        </a:rPr>
+                        <a:t>C</a:t>
+                      </a:r>
+                      <a:endParaRPr lang="lv-LV" sz="2800" dirty="0">
+                        <a:solidFill>
+                          <a:srgbClr val="00B050"/>
+                        </a:solidFill>
+                        <a:latin typeface="Lucida Console" panose="020B0609040504020204" pitchFamily="49" charset="0"/>
+                      </a:endParaRPr>
+                    </a:p>
+                  </a:txBody>
+                  <a:tcPr/>
+                </a:tc>
+                <a:tc>
+                  <a:txBody>
+                    <a:bodyPr/>
+                    <a:lstStyle/>
+                    <a:p>
+                      <a:pPr algn="ctr"/>
+                      <a:r>
+                        <a:rPr lang="lv-LV" sz="2800" dirty="0" smtClean="0">
+                          <a:solidFill>
+                            <a:srgbClr val="00B050"/>
+                          </a:solidFill>
+                          <a:latin typeface="Lucida Console" panose="020B0609040504020204" pitchFamily="49" charset="0"/>
+                        </a:rPr>
+                        <a:t>A</a:t>
+                      </a:r>
+                      <a:endParaRPr lang="lv-LV" sz="2800" dirty="0">
+                        <a:solidFill>
+                          <a:srgbClr val="00B050"/>
+                        </a:solidFill>
+                        <a:latin typeface="Lucida Console" panose="020B0609040504020204" pitchFamily="49" charset="0"/>
+                      </a:endParaRPr>
+                    </a:p>
+                  </a:txBody>
+                  <a:tcPr/>
+                </a:tc>
+                <a:tc>
+                  <a:txBody>
+                    <a:bodyPr/>
+                    <a:lstStyle/>
+                    <a:p>
+                      <a:pPr algn="ctr"/>
+                      <a:r>
+                        <a:rPr lang="lv-LV" sz="2800" dirty="0" smtClean="0">
+                          <a:solidFill>
+                            <a:srgbClr val="00B050"/>
+                          </a:solidFill>
+                          <a:latin typeface="Lucida Console" panose="020B0609040504020204" pitchFamily="49" charset="0"/>
+                        </a:rPr>
+                        <a:t>B</a:t>
+                      </a:r>
+                      <a:endParaRPr lang="lv-LV" sz="2800" dirty="0">
+                        <a:solidFill>
+                          <a:srgbClr val="00B050"/>
+                        </a:solidFill>
+                        <a:latin typeface="Lucida Console" panose="020B0609040504020204" pitchFamily="49" charset="0"/>
+                      </a:endParaRPr>
+                    </a:p>
+                  </a:txBody>
+                  <a:tcPr/>
+                </a:tc>
+                <a:tc>
+                  <a:txBody>
+                    <a:bodyPr/>
+                    <a:lstStyle/>
+                    <a:p>
+                      <a:pPr algn="ctr"/>
+                      <a:r>
+                        <a:rPr lang="lv-LV" sz="2800" dirty="0" smtClean="0">
+                          <a:solidFill>
+                            <a:srgbClr val="00B050"/>
+                          </a:solidFill>
+                          <a:latin typeface="Lucida Console" panose="020B0609040504020204" pitchFamily="49" charset="0"/>
+                        </a:rPr>
+                        <a:t>A</a:t>
+                      </a:r>
+                      <a:endParaRPr lang="lv-LV" sz="2800" dirty="0">
+                        <a:solidFill>
+                          <a:srgbClr val="00B050"/>
+                        </a:solidFill>
+                        <a:latin typeface="Lucida Console" panose="020B0609040504020204" pitchFamily="49" charset="0"/>
+                      </a:endParaRPr>
+                    </a:p>
+                  </a:txBody>
+                  <a:tcPr/>
+                </a:tc>
+                <a:tc>
+                  <a:txBody>
+                    <a:bodyPr/>
+                    <a:lstStyle/>
+                    <a:p>
+                      <a:pPr algn="ctr"/>
+                      <a:r>
+                        <a:rPr lang="lv-LV" sz="2800" dirty="0" smtClean="0">
+                          <a:solidFill>
+                            <a:srgbClr val="00B050"/>
+                          </a:solidFill>
+                          <a:latin typeface="Lucida Console" panose="020B0609040504020204" pitchFamily="49" charset="0"/>
+                        </a:rPr>
+                        <a:t>B</a:t>
+                      </a:r>
+                      <a:endParaRPr lang="lv-LV" sz="2800" dirty="0">
+                        <a:solidFill>
+                          <a:srgbClr val="00B050"/>
+                        </a:solidFill>
+                        <a:latin typeface="Lucida Console" panose="020B0609040504020204" pitchFamily="49" charset="0"/>
+                      </a:endParaRPr>
+                    </a:p>
+                  </a:txBody>
+                  <a:tcPr/>
+                </a:tc>
+                <a:tc>
+                  <a:txBody>
+                    <a:bodyPr/>
+                    <a:lstStyle/>
+                    <a:p>
+                      <a:pPr algn="ctr"/>
+                      <a:endParaRPr lang="lv-LV" sz="2800" dirty="0">
+                        <a:solidFill>
+                          <a:srgbClr val="00B050"/>
+                        </a:solidFill>
+                        <a:latin typeface="Lucida Console" panose="020B0609040504020204" pitchFamily="49" charset="0"/>
+                      </a:endParaRPr>
+                    </a:p>
+                  </a:txBody>
+                  <a:tcPr/>
+                </a:tc>
+                <a:extLst>
+                  <a:ext uri="{0D108BD9-81ED-4DB2-BD59-A6C34878D82A}">
+                    <a16:rowId xmlns:a16="http://schemas.microsoft.com/office/drawing/2014/main" val="2728296662"/>
+                  </a:ext>
+                </a:extLst>
+              </a:tr>
+              <a:tr h="370840">
+                <a:tc>
+                  <a:txBody>
+                    <a:bodyPr/>
+                    <a:lstStyle/>
+                    <a:p>
+                      <a:pPr algn="ctr"/>
+                      <a:r>
+                        <a:rPr lang="en-US" sz="2800" dirty="0" smtClean="0">
+                          <a:latin typeface="+mj-lt"/>
+                        </a:rPr>
+                        <a:t>5</a:t>
+                      </a:r>
+                      <a:endParaRPr lang="lv-LV" sz="2800" dirty="0">
+                        <a:latin typeface="+mj-lt"/>
+                      </a:endParaRPr>
+                    </a:p>
+                  </a:txBody>
+                  <a:tcPr/>
+                </a:tc>
+                <a:tc>
+                  <a:txBody>
+                    <a:bodyPr/>
+                    <a:lstStyle/>
+                    <a:p>
+                      <a:pPr algn="ctr"/>
+                      <a:r>
+                        <a:rPr lang="lv-LV" sz="2800" dirty="0" smtClean="0">
+                          <a:latin typeface="+mj-lt"/>
+                        </a:rPr>
+                        <a:t>5</a:t>
+                      </a:r>
+                      <a:endParaRPr lang="lv-LV" sz="2800" dirty="0">
+                        <a:latin typeface="+mj-lt"/>
+                      </a:endParaRPr>
+                    </a:p>
+                  </a:txBody>
+                  <a:tcPr/>
+                </a:tc>
+                <a:tc>
+                  <a:txBody>
+                    <a:bodyPr/>
+                    <a:lstStyle/>
+                    <a:p>
+                      <a:pPr algn="ctr"/>
+                      <a:r>
+                        <a:rPr lang="lv-LV" sz="2800" dirty="0" smtClean="0">
+                          <a:latin typeface="+mj-lt"/>
+                        </a:rPr>
+                        <a:t>5</a:t>
+                      </a:r>
+                      <a:endParaRPr lang="lv-LV" sz="2800" dirty="0">
+                        <a:latin typeface="+mj-lt"/>
+                      </a:endParaRPr>
+                    </a:p>
+                  </a:txBody>
+                  <a:tcPr/>
+                </a:tc>
+                <a:tc>
+                  <a:txBody>
+                    <a:bodyPr/>
+                    <a:lstStyle/>
+                    <a:p>
+                      <a:pPr algn="ctr"/>
+                      <a:r>
+                        <a:rPr lang="lv-LV" sz="2800" dirty="0" smtClean="0">
+                          <a:latin typeface="+mj-lt"/>
+                        </a:rPr>
+                        <a:t>2</a:t>
+                      </a:r>
+                      <a:endParaRPr lang="lv-LV" sz="2800" dirty="0">
+                        <a:latin typeface="+mj-lt"/>
+                      </a:endParaRPr>
+                    </a:p>
+                  </a:txBody>
+                  <a:tcPr/>
+                </a:tc>
+                <a:tc>
+                  <a:txBody>
+                    <a:bodyPr/>
+                    <a:lstStyle/>
+                    <a:p>
+                      <a:pPr algn="ctr"/>
+                      <a:r>
+                        <a:rPr lang="lv-LV" sz="3600" dirty="0" smtClean="0">
+                          <a:solidFill>
+                            <a:srgbClr val="FF0000"/>
+                          </a:solidFill>
+                          <a:latin typeface="+mj-lt"/>
+                        </a:rPr>
+                        <a:t>2</a:t>
+                      </a:r>
+                      <a:endParaRPr lang="lv-LV" sz="3600" dirty="0">
+                        <a:solidFill>
+                          <a:srgbClr val="FF0000"/>
+                        </a:solidFill>
+                        <a:latin typeface="+mj-lt"/>
+                      </a:endParaRPr>
+                    </a:p>
+                  </a:txBody>
+                  <a:tcPr/>
+                </a:tc>
+                <a:tc>
+                  <a:txBody>
+                    <a:bodyPr/>
+                    <a:lstStyle/>
+                    <a:p>
+                      <a:pPr algn="ctr"/>
+                      <a:r>
+                        <a:rPr lang="en-US" sz="2800" dirty="0" smtClean="0">
+                          <a:latin typeface="+mj-lt"/>
+                        </a:rPr>
+                        <a:t>1</a:t>
+                      </a:r>
+                      <a:endParaRPr lang="lv-LV" sz="2800" dirty="0">
+                        <a:latin typeface="+mj-lt"/>
+                      </a:endParaRPr>
+                    </a:p>
+                  </a:txBody>
+                  <a:tcPr/>
+                </a:tc>
+                <a:extLst>
+                  <a:ext uri="{0D108BD9-81ED-4DB2-BD59-A6C34878D82A}">
+                    <a16:rowId xmlns:a16="http://schemas.microsoft.com/office/drawing/2014/main" val="3930308900"/>
+                  </a:ext>
+                </a:extLst>
+              </a:tr>
+            </a:tbl>
+          </a:graphicData>
+        </a:graphic>
+      </p:graphicFrame>
+      <p:graphicFrame>
+        <p:nvGraphicFramePr>
+          <p:cNvPr id="5" name="Table 4"/>
+          <p:cNvGraphicFramePr>
+            <a:graphicFrameLocks noGrp="1"/>
+          </p:cNvGraphicFramePr>
+          <p:nvPr>
+            <p:extLst>
+              <p:ext uri="{D42A27DB-BD31-4B8C-83A1-F6EECF244321}">
+                <p14:modId xmlns:p14="http://schemas.microsoft.com/office/powerpoint/2010/main" val="1031694374"/>
+              </p:ext>
+            </p:extLst>
+          </p:nvPr>
+        </p:nvGraphicFramePr>
+        <p:xfrm>
+          <a:off x="685797" y="4503420"/>
+          <a:ext cx="5791206" cy="1569720"/>
+        </p:xfrm>
+        <a:graphic>
+          <a:graphicData uri="http://schemas.openxmlformats.org/drawingml/2006/table">
+            <a:tbl>
+              <a:tblPr firstRow="1" bandRow="1">
+                <a:tableStyleId>{5C22544A-7EE6-4342-B048-85BDC9FD1C3A}</a:tableStyleId>
+              </a:tblPr>
+              <a:tblGrid>
+                <a:gridCol w="1447800">
+                  <a:extLst>
+                    <a:ext uri="{9D8B030D-6E8A-4147-A177-3AD203B41FA5}">
+                      <a16:colId xmlns:a16="http://schemas.microsoft.com/office/drawing/2014/main" val="3025853812"/>
+                    </a:ext>
+                  </a:extLst>
+                </a:gridCol>
+                <a:gridCol w="723901">
+                  <a:extLst>
+                    <a:ext uri="{9D8B030D-6E8A-4147-A177-3AD203B41FA5}">
+                      <a16:colId xmlns:a16="http://schemas.microsoft.com/office/drawing/2014/main" val="3008046147"/>
+                    </a:ext>
+                  </a:extLst>
+                </a:gridCol>
+                <a:gridCol w="723901">
+                  <a:extLst>
+                    <a:ext uri="{9D8B030D-6E8A-4147-A177-3AD203B41FA5}">
+                      <a16:colId xmlns:a16="http://schemas.microsoft.com/office/drawing/2014/main" val="3019898440"/>
+                    </a:ext>
+                  </a:extLst>
+                </a:gridCol>
+                <a:gridCol w="723901">
+                  <a:extLst>
+                    <a:ext uri="{9D8B030D-6E8A-4147-A177-3AD203B41FA5}">
+                      <a16:colId xmlns:a16="http://schemas.microsoft.com/office/drawing/2014/main" val="3931190410"/>
+                    </a:ext>
+                  </a:extLst>
+                </a:gridCol>
+                <a:gridCol w="723901">
+                  <a:extLst>
+                    <a:ext uri="{9D8B030D-6E8A-4147-A177-3AD203B41FA5}">
+                      <a16:colId xmlns:a16="http://schemas.microsoft.com/office/drawing/2014/main" val="4004075811"/>
+                    </a:ext>
+                  </a:extLst>
+                </a:gridCol>
+                <a:gridCol w="723901">
+                  <a:extLst>
+                    <a:ext uri="{9D8B030D-6E8A-4147-A177-3AD203B41FA5}">
+                      <a16:colId xmlns:a16="http://schemas.microsoft.com/office/drawing/2014/main" val="3721683743"/>
+                    </a:ext>
+                  </a:extLst>
+                </a:gridCol>
+                <a:gridCol w="723901">
+                  <a:extLst>
+                    <a:ext uri="{9D8B030D-6E8A-4147-A177-3AD203B41FA5}">
+                      <a16:colId xmlns:a16="http://schemas.microsoft.com/office/drawing/2014/main" val="2272382081"/>
+                    </a:ext>
+                  </a:extLst>
+                </a:gridCol>
+              </a:tblGrid>
+              <a:tr h="533400">
+                <a:tc>
+                  <a:txBody>
+                    <a:bodyPr/>
+                    <a:lstStyle/>
+                    <a:p>
+                      <a:pPr algn="ctr"/>
+                      <a:r>
+                        <a:rPr lang="lv-LV" sz="2800" dirty="0" smtClean="0">
+                          <a:latin typeface="+mj-lt"/>
+                        </a:rPr>
+                        <a:t>Offset</a:t>
+                      </a:r>
+                      <a:endParaRPr lang="lv-LV" sz="2800" dirty="0">
+                        <a:latin typeface="+mj-lt"/>
+                      </a:endParaRPr>
+                    </a:p>
+                  </a:txBody>
+                  <a:tcPr/>
+                </a:tc>
+                <a:tc>
+                  <a:txBody>
+                    <a:bodyPr/>
+                    <a:lstStyle/>
+                    <a:p>
+                      <a:pPr algn="ctr"/>
+                      <a:r>
+                        <a:rPr lang="en-US" sz="2800" dirty="0" smtClean="0">
+                          <a:latin typeface="+mj-lt"/>
+                        </a:rPr>
+                        <a:t>0</a:t>
+                      </a:r>
+                      <a:endParaRPr lang="lv-LV" sz="2800" dirty="0">
+                        <a:latin typeface="+mj-lt"/>
+                      </a:endParaRPr>
+                    </a:p>
+                  </a:txBody>
+                  <a:tcPr/>
+                </a:tc>
+                <a:tc>
+                  <a:txBody>
+                    <a:bodyPr/>
+                    <a:lstStyle/>
+                    <a:p>
+                      <a:pPr algn="ctr"/>
+                      <a:r>
+                        <a:rPr lang="en-US" sz="2800" dirty="0" smtClean="0">
+                          <a:latin typeface="+mj-lt"/>
+                        </a:rPr>
+                        <a:t>1</a:t>
+                      </a:r>
+                      <a:endParaRPr lang="lv-LV" sz="2800" dirty="0">
+                        <a:latin typeface="+mj-lt"/>
+                      </a:endParaRPr>
+                    </a:p>
+                  </a:txBody>
+                  <a:tcPr/>
+                </a:tc>
+                <a:tc>
+                  <a:txBody>
+                    <a:bodyPr/>
+                    <a:lstStyle/>
+                    <a:p>
+                      <a:pPr algn="ctr"/>
+                      <a:r>
+                        <a:rPr lang="en-US" sz="2800" dirty="0" smtClean="0">
+                          <a:latin typeface="+mj-lt"/>
+                        </a:rPr>
+                        <a:t>2</a:t>
+                      </a:r>
+                      <a:endParaRPr lang="lv-LV" sz="2800" dirty="0">
+                        <a:latin typeface="+mj-lt"/>
+                      </a:endParaRPr>
+                    </a:p>
+                  </a:txBody>
+                  <a:tcPr/>
+                </a:tc>
+                <a:tc>
+                  <a:txBody>
+                    <a:bodyPr/>
+                    <a:lstStyle/>
+                    <a:p>
+                      <a:pPr algn="ctr"/>
+                      <a:r>
+                        <a:rPr lang="en-US" sz="2800" dirty="0" smtClean="0">
+                          <a:latin typeface="+mj-lt"/>
+                        </a:rPr>
+                        <a:t>3</a:t>
+                      </a:r>
+                      <a:endParaRPr lang="lv-LV" sz="2800" dirty="0">
+                        <a:latin typeface="+mj-lt"/>
+                      </a:endParaRPr>
+                    </a:p>
+                  </a:txBody>
+                  <a:tcPr/>
+                </a:tc>
+                <a:tc>
+                  <a:txBody>
+                    <a:bodyPr/>
+                    <a:lstStyle/>
+                    <a:p>
+                      <a:pPr algn="ctr"/>
+                      <a:r>
+                        <a:rPr lang="en-US" sz="2800" dirty="0" smtClean="0">
+                          <a:latin typeface="+mj-lt"/>
+                        </a:rPr>
+                        <a:t>4</a:t>
+                      </a:r>
+                      <a:endParaRPr lang="lv-LV" sz="2800" dirty="0">
+                        <a:latin typeface="+mj-lt"/>
+                      </a:endParaRPr>
+                    </a:p>
+                  </a:txBody>
+                  <a:tcPr/>
+                </a:tc>
+                <a:tc>
+                  <a:txBody>
+                    <a:bodyPr/>
+                    <a:lstStyle/>
+                    <a:p>
+                      <a:pPr algn="ctr"/>
+                      <a:r>
+                        <a:rPr lang="en-US" sz="2800" dirty="0" smtClean="0">
+                          <a:latin typeface="+mj-lt"/>
+                        </a:rPr>
+                        <a:t>5</a:t>
+                      </a:r>
+                      <a:endParaRPr lang="lv-LV" sz="2800" dirty="0">
+                        <a:latin typeface="+mj-lt"/>
+                      </a:endParaRPr>
+                    </a:p>
+                  </a:txBody>
+                  <a:tcPr/>
+                </a:tc>
+                <a:extLst>
+                  <a:ext uri="{0D108BD9-81ED-4DB2-BD59-A6C34878D82A}">
+                    <a16:rowId xmlns:a16="http://schemas.microsoft.com/office/drawing/2014/main" val="2420579141"/>
+                  </a:ext>
+                </a:extLst>
+              </a:tr>
+              <a:tr h="370840">
+                <a:tc>
+                  <a:txBody>
+                    <a:bodyPr/>
+                    <a:lstStyle/>
+                    <a:p>
+                      <a:pPr algn="ctr"/>
+                      <a:r>
+                        <a:rPr lang="lv-LV" sz="2000" dirty="0" smtClean="0">
+                          <a:solidFill>
+                            <a:srgbClr val="00B050"/>
+                          </a:solidFill>
+                          <a:latin typeface="Lucida Console" panose="020B0609040504020204" pitchFamily="49" charset="0"/>
+                        </a:rPr>
+                        <a:t>Text</a:t>
+                      </a:r>
+                      <a:endParaRPr lang="lv-LV" sz="2000" dirty="0">
+                        <a:solidFill>
+                          <a:srgbClr val="00B050"/>
+                        </a:solidFill>
+                        <a:latin typeface="Lucida Console" panose="020B0609040504020204" pitchFamily="49" charset="0"/>
+                      </a:endParaRPr>
+                    </a:p>
+                  </a:txBody>
+                  <a:tcPr/>
+                </a:tc>
+                <a:tc>
+                  <a:txBody>
+                    <a:bodyPr/>
+                    <a:lstStyle/>
+                    <a:p>
+                      <a:pPr algn="ctr"/>
+                      <a:r>
+                        <a:rPr lang="lv-LV" sz="2800" dirty="0" smtClean="0">
+                          <a:solidFill>
+                            <a:srgbClr val="00B050"/>
+                          </a:solidFill>
+                          <a:latin typeface="Lucida Console" panose="020B0609040504020204" pitchFamily="49" charset="0"/>
+                        </a:rPr>
+                        <a:t>C</a:t>
+                      </a:r>
+                      <a:endParaRPr lang="lv-LV" sz="2800" dirty="0">
+                        <a:solidFill>
+                          <a:srgbClr val="00B050"/>
+                        </a:solidFill>
+                        <a:latin typeface="Lucida Console" panose="020B0609040504020204" pitchFamily="49" charset="0"/>
+                      </a:endParaRPr>
+                    </a:p>
+                  </a:txBody>
+                  <a:tcPr/>
+                </a:tc>
+                <a:tc>
+                  <a:txBody>
+                    <a:bodyPr/>
+                    <a:lstStyle/>
+                    <a:p>
+                      <a:pPr algn="ctr"/>
+                      <a:r>
+                        <a:rPr lang="lv-LV" sz="2800" dirty="0" smtClean="0">
+                          <a:solidFill>
+                            <a:srgbClr val="00B050"/>
+                          </a:solidFill>
+                          <a:latin typeface="Lucida Console" panose="020B0609040504020204" pitchFamily="49" charset="0"/>
+                        </a:rPr>
+                        <a:t>A</a:t>
+                      </a:r>
+                      <a:endParaRPr lang="lv-LV" sz="2800" dirty="0">
+                        <a:solidFill>
+                          <a:srgbClr val="00B050"/>
+                        </a:solidFill>
+                        <a:latin typeface="Lucida Console" panose="020B0609040504020204" pitchFamily="49" charset="0"/>
+                      </a:endParaRPr>
+                    </a:p>
+                  </a:txBody>
+                  <a:tcPr/>
+                </a:tc>
+                <a:tc>
+                  <a:txBody>
+                    <a:bodyPr/>
+                    <a:lstStyle/>
+                    <a:p>
+                      <a:pPr algn="ctr"/>
+                      <a:r>
+                        <a:rPr lang="lv-LV" sz="2800" dirty="0" smtClean="0">
+                          <a:solidFill>
+                            <a:srgbClr val="00B050"/>
+                          </a:solidFill>
+                          <a:latin typeface="Lucida Console" panose="020B0609040504020204" pitchFamily="49" charset="0"/>
+                        </a:rPr>
+                        <a:t>B</a:t>
+                      </a:r>
+                      <a:endParaRPr lang="lv-LV" sz="2800" dirty="0">
+                        <a:solidFill>
+                          <a:srgbClr val="00B050"/>
+                        </a:solidFill>
+                        <a:latin typeface="Lucida Console" panose="020B0609040504020204" pitchFamily="49" charset="0"/>
+                      </a:endParaRPr>
+                    </a:p>
+                  </a:txBody>
+                  <a:tcPr/>
+                </a:tc>
+                <a:tc>
+                  <a:txBody>
+                    <a:bodyPr/>
+                    <a:lstStyle/>
+                    <a:p>
+                      <a:pPr algn="ctr"/>
+                      <a:r>
+                        <a:rPr lang="lv-LV" sz="2800" dirty="0" smtClean="0">
+                          <a:solidFill>
+                            <a:srgbClr val="FF0000"/>
+                          </a:solidFill>
+                          <a:latin typeface="Lucida Console" panose="020B0609040504020204" pitchFamily="49" charset="0"/>
+                        </a:rPr>
+                        <a:t>X</a:t>
+                      </a:r>
+                      <a:endParaRPr lang="lv-LV" sz="2800" dirty="0">
+                        <a:solidFill>
+                          <a:srgbClr val="FF0000"/>
+                        </a:solidFill>
+                        <a:latin typeface="Lucida Console" panose="020B0609040504020204" pitchFamily="49" charset="0"/>
+                      </a:endParaRPr>
+                    </a:p>
+                  </a:txBody>
+                  <a:tcPr/>
+                </a:tc>
+                <a:tc>
+                  <a:txBody>
+                    <a:bodyPr/>
+                    <a:lstStyle/>
+                    <a:p>
+                      <a:pPr algn="ctr"/>
+                      <a:r>
+                        <a:rPr lang="lv-LV" sz="2800" dirty="0" smtClean="0">
+                          <a:solidFill>
+                            <a:srgbClr val="00B050"/>
+                          </a:solidFill>
+                          <a:latin typeface="Lucida Console" panose="020B0609040504020204" pitchFamily="49" charset="0"/>
+                        </a:rPr>
+                        <a:t>B</a:t>
+                      </a:r>
+                      <a:endParaRPr lang="lv-LV" sz="2800" dirty="0">
+                        <a:solidFill>
+                          <a:srgbClr val="00B050"/>
+                        </a:solidFill>
+                        <a:latin typeface="Lucida Console" panose="020B0609040504020204" pitchFamily="49" charset="0"/>
+                      </a:endParaRPr>
+                    </a:p>
+                  </a:txBody>
+                  <a:tcPr/>
+                </a:tc>
+                <a:tc>
+                  <a:txBody>
+                    <a:bodyPr/>
+                    <a:lstStyle/>
+                    <a:p>
+                      <a:pPr algn="ctr"/>
+                      <a:r>
+                        <a:rPr lang="lv-LV" sz="2800" dirty="0" smtClean="0">
+                          <a:solidFill>
+                            <a:srgbClr val="00B050"/>
+                          </a:solidFill>
+                          <a:latin typeface="Lucida Console" panose="020B0609040504020204" pitchFamily="49" charset="0"/>
+                        </a:rPr>
+                        <a:t>..</a:t>
+                      </a:r>
+                      <a:endParaRPr lang="lv-LV" sz="2800" dirty="0">
+                        <a:solidFill>
+                          <a:srgbClr val="00B050"/>
+                        </a:solidFill>
+                        <a:latin typeface="Lucida Console" panose="020B0609040504020204" pitchFamily="49" charset="0"/>
+                      </a:endParaRPr>
+                    </a:p>
+                  </a:txBody>
+                  <a:tcPr/>
+                </a:tc>
+                <a:extLst>
+                  <a:ext uri="{0D108BD9-81ED-4DB2-BD59-A6C34878D82A}">
+                    <a16:rowId xmlns:a16="http://schemas.microsoft.com/office/drawing/2014/main" val="2728296662"/>
+                  </a:ext>
+                </a:extLst>
+              </a:tr>
+              <a:tr h="370840">
+                <a:tc>
+                  <a:txBody>
+                    <a:bodyPr/>
+                    <a:lstStyle/>
+                    <a:p>
+                      <a:pPr algn="ctr"/>
+                      <a:r>
+                        <a:rPr lang="lv-LV" sz="2000" dirty="0" smtClean="0">
+                          <a:solidFill>
+                            <a:srgbClr val="00B050"/>
+                          </a:solidFill>
+                          <a:latin typeface="Lucida Console" panose="020B0609040504020204" pitchFamily="49" charset="0"/>
+                        </a:rPr>
+                        <a:t>Pattern</a:t>
+                      </a:r>
+                      <a:endParaRPr lang="lv-LV" sz="2000" dirty="0">
+                        <a:solidFill>
+                          <a:srgbClr val="00B050"/>
+                        </a:solidFill>
+                        <a:latin typeface="Lucida Console" panose="020B0609040504020204" pitchFamily="49" charset="0"/>
+                      </a:endParaRPr>
+                    </a:p>
+                  </a:txBody>
+                  <a:tcPr/>
+                </a:tc>
+                <a:tc>
+                  <a:txBody>
+                    <a:bodyPr/>
+                    <a:lstStyle/>
+                    <a:p>
+                      <a:pPr algn="ctr"/>
+                      <a:r>
+                        <a:rPr lang="lv-LV" sz="2800" dirty="0" smtClean="0">
+                          <a:solidFill>
+                            <a:srgbClr val="00B050"/>
+                          </a:solidFill>
+                          <a:latin typeface="Lucida Console" panose="020B0609040504020204" pitchFamily="49" charset="0"/>
+                        </a:rPr>
+                        <a:t>C</a:t>
+                      </a:r>
+                      <a:endParaRPr lang="lv-LV" sz="2800" dirty="0">
+                        <a:solidFill>
+                          <a:srgbClr val="00B050"/>
+                        </a:solidFill>
+                        <a:latin typeface="Lucida Console" panose="020B0609040504020204" pitchFamily="49" charset="0"/>
+                      </a:endParaRPr>
+                    </a:p>
+                  </a:txBody>
+                  <a:tcPr/>
+                </a:tc>
+                <a:tc>
+                  <a:txBody>
+                    <a:bodyPr/>
+                    <a:lstStyle/>
+                    <a:p>
+                      <a:pPr algn="ctr"/>
+                      <a:r>
+                        <a:rPr lang="lv-LV" sz="2800" dirty="0" smtClean="0">
+                          <a:solidFill>
+                            <a:srgbClr val="00B050"/>
+                          </a:solidFill>
+                          <a:latin typeface="Lucida Console" panose="020B0609040504020204" pitchFamily="49" charset="0"/>
+                        </a:rPr>
+                        <a:t>A</a:t>
+                      </a:r>
+                      <a:endParaRPr lang="lv-LV" sz="2800" dirty="0">
+                        <a:solidFill>
+                          <a:srgbClr val="00B050"/>
+                        </a:solidFill>
+                        <a:latin typeface="Lucida Console" panose="020B0609040504020204" pitchFamily="49" charset="0"/>
+                      </a:endParaRPr>
+                    </a:p>
+                  </a:txBody>
+                  <a:tcPr/>
+                </a:tc>
+                <a:tc>
+                  <a:txBody>
+                    <a:bodyPr/>
+                    <a:lstStyle/>
+                    <a:p>
+                      <a:pPr algn="ctr"/>
+                      <a:r>
+                        <a:rPr lang="lv-LV" sz="2800" dirty="0" smtClean="0">
+                          <a:solidFill>
+                            <a:srgbClr val="00B050"/>
+                          </a:solidFill>
+                          <a:latin typeface="Lucida Console" panose="020B0609040504020204" pitchFamily="49" charset="0"/>
+                        </a:rPr>
+                        <a:t>B</a:t>
+                      </a:r>
+                      <a:endParaRPr lang="lv-LV" sz="2800" dirty="0">
+                        <a:solidFill>
+                          <a:srgbClr val="00B050"/>
+                        </a:solidFill>
+                        <a:latin typeface="Lucida Console" panose="020B0609040504020204" pitchFamily="49" charset="0"/>
+                      </a:endParaRPr>
+                    </a:p>
+                  </a:txBody>
+                  <a:tcPr/>
+                </a:tc>
+                <a:tc>
+                  <a:txBody>
+                    <a:bodyPr/>
+                    <a:lstStyle/>
+                    <a:p>
+                      <a:pPr algn="ctr"/>
+                      <a:r>
+                        <a:rPr lang="lv-LV" sz="2800" dirty="0" smtClean="0">
+                          <a:solidFill>
+                            <a:srgbClr val="FF0000"/>
+                          </a:solidFill>
+                          <a:latin typeface="Lucida Console" panose="020B0609040504020204" pitchFamily="49" charset="0"/>
+                        </a:rPr>
+                        <a:t>A</a:t>
+                      </a:r>
+                      <a:endParaRPr lang="lv-LV" sz="2800" dirty="0">
+                        <a:solidFill>
+                          <a:srgbClr val="FF0000"/>
+                        </a:solidFill>
+                        <a:latin typeface="Lucida Console" panose="020B0609040504020204" pitchFamily="49" charset="0"/>
+                      </a:endParaRPr>
+                    </a:p>
+                  </a:txBody>
+                  <a:tcPr/>
+                </a:tc>
+                <a:tc>
+                  <a:txBody>
+                    <a:bodyPr/>
+                    <a:lstStyle/>
+                    <a:p>
+                      <a:pPr algn="ctr"/>
+                      <a:r>
+                        <a:rPr lang="lv-LV" sz="2800" dirty="0" smtClean="0">
+                          <a:solidFill>
+                            <a:srgbClr val="00B050"/>
+                          </a:solidFill>
+                          <a:latin typeface="Lucida Console" panose="020B0609040504020204" pitchFamily="49" charset="0"/>
+                        </a:rPr>
+                        <a:t>B</a:t>
+                      </a:r>
+                      <a:endParaRPr lang="lv-LV" sz="2800" dirty="0">
+                        <a:solidFill>
+                          <a:srgbClr val="00B050"/>
+                        </a:solidFill>
+                        <a:latin typeface="Lucida Console" panose="020B0609040504020204" pitchFamily="49" charset="0"/>
+                      </a:endParaRPr>
+                    </a:p>
+                  </a:txBody>
+                  <a:tcPr/>
+                </a:tc>
+                <a:tc>
+                  <a:txBody>
+                    <a:bodyPr/>
+                    <a:lstStyle/>
+                    <a:p>
+                      <a:pPr algn="ctr"/>
+                      <a:endParaRPr lang="lv-LV" sz="2800" dirty="0">
+                        <a:latin typeface="+mj-lt"/>
+                      </a:endParaRPr>
+                    </a:p>
+                  </a:txBody>
+                  <a:tcPr/>
+                </a:tc>
+                <a:extLst>
+                  <a:ext uri="{0D108BD9-81ED-4DB2-BD59-A6C34878D82A}">
+                    <a16:rowId xmlns:a16="http://schemas.microsoft.com/office/drawing/2014/main" val="3930308900"/>
+                  </a:ext>
+                </a:extLst>
+              </a:tr>
+            </a:tbl>
+          </a:graphicData>
+        </a:graphic>
+      </p:graphicFrame>
+      <p:sp>
+        <p:nvSpPr>
+          <p:cNvPr id="6" name="Rectangle 5"/>
+          <p:cNvSpPr/>
+          <p:nvPr/>
+        </p:nvSpPr>
+        <p:spPr>
+          <a:xfrm>
+            <a:off x="4343400" y="4251960"/>
+            <a:ext cx="685800" cy="2301240"/>
+          </a:xfrm>
+          <a:prstGeom prst="rect">
+            <a:avLst/>
+          </a:prstGeom>
+          <a:noFill/>
+          <a:ln w="38100">
+            <a:solidFill>
+              <a:srgbClr val="FF0000"/>
+            </a:solidFill>
+          </a:ln>
+        </p:spPr>
+        <p:style>
+          <a:lnRef idx="2">
+            <a:schemeClr val="accent1">
+              <a:shade val="50000"/>
+            </a:schemeClr>
+          </a:lnRef>
+          <a:fillRef idx="1">
+            <a:schemeClr val="accent1"/>
+          </a:fillRef>
+          <a:effectRef idx="0">
+            <a:schemeClr val="accent1"/>
+          </a:effectRef>
+          <a:fontRef idx="minor">
+            <a:schemeClr val="lt1"/>
+          </a:fontRef>
+        </p:style>
+        <p:txBody>
+          <a:bodyPr rtlCol="0" anchor="ctr"/>
+          <a:lstStyle/>
+          <a:p>
+            <a:pPr algn="ctr"/>
+            <a:endParaRPr lang="lv-LV"/>
+          </a:p>
+        </p:txBody>
+      </p:sp>
+    </p:spTree>
+    <p:extLst>
+      <p:ext uri="{BB962C8B-B14F-4D97-AF65-F5344CB8AC3E}">
+        <p14:creationId xmlns:p14="http://schemas.microsoft.com/office/powerpoint/2010/main" val="3976047317"/>
+      </p:ext>
+    </p:extLst>
+  </p:cSld>
+  <p:clrMapOvr>
+    <a:masterClrMapping/>
+  </p:clrMapOvr>
+  <p:timing>
+    <p:tnLst>
+      <p:par>
+        <p:cTn id="1" dur="indefinite" restart="never" nodeType="tmRoot"/>
+      </p:par>
+    </p:tnLst>
+  </p:timing>
+</p:sld>
+</file>
+
+<file path=ppt/slides/slide23.xml><?xml version="1.0" encoding="utf-8"?>
+<p:sld xmlns:a="http://schemas.openxmlformats.org/drawingml/2006/main" xmlns:r="http://schemas.openxmlformats.org/officeDocument/2006/relationships" xmlns:p="http://schemas.openxmlformats.org/presentationml/2006/main">
+  <p:cSld>
+    <p:spTree>
+      <p:nvGrpSpPr>
+        <p:cNvPr id="1" name=""/>
+        <p:cNvGrpSpPr/>
+        <p:nvPr/>
+      </p:nvGrpSpPr>
+      <p:grpSpPr>
+        <a:xfrm>
+          <a:off x="0" y="0"/>
+          <a:ext cx="0" cy="0"/>
+          <a:chOff x="0" y="0"/>
+          <a:chExt cx="0" cy="0"/>
+        </a:xfrm>
+      </p:grpSpPr>
+      <p:sp>
+        <p:nvSpPr>
+          <p:cNvPr id="2" name="Title 1"/>
+          <p:cNvSpPr>
+            <a:spLocks noGrp="1"/>
+          </p:cNvSpPr>
+          <p:nvPr>
+            <p:ph type="title"/>
+          </p:nvPr>
+        </p:nvSpPr>
+        <p:spPr/>
+        <p:txBody>
+          <a:bodyPr/>
+          <a:lstStyle/>
+          <a:p>
+            <a:endParaRPr lang="lv-LV"/>
+          </a:p>
+        </p:txBody>
+      </p:sp>
+      <p:sp>
+        <p:nvSpPr>
+          <p:cNvPr id="3" name="Content Placeholder 2"/>
+          <p:cNvSpPr>
+            <a:spLocks noGrp="1"/>
+          </p:cNvSpPr>
+          <p:nvPr>
+            <p:ph idx="1"/>
+          </p:nvPr>
+        </p:nvSpPr>
+        <p:spPr/>
+        <p:txBody>
+          <a:bodyPr/>
+          <a:lstStyle/>
+          <a:p>
+            <a:endParaRPr lang="lv-LV"/>
+          </a:p>
+        </p:txBody>
+      </p:sp>
+      <p:pic>
+        <p:nvPicPr>
+          <p:cNvPr id="4" name="Picture 3"/>
+          <p:cNvPicPr>
+            <a:picLocks noChangeAspect="1"/>
+          </p:cNvPicPr>
+          <p:nvPr/>
+        </p:nvPicPr>
+        <p:blipFill>
+          <a:blip r:embed="rId2"/>
+          <a:stretch>
+            <a:fillRect/>
+          </a:stretch>
+        </p:blipFill>
+        <p:spPr>
+          <a:xfrm>
+            <a:off x="457200" y="1901190"/>
+            <a:ext cx="2396336" cy="2228850"/>
+          </a:xfrm>
+          <a:prstGeom prst="rect">
+            <a:avLst/>
+          </a:prstGeom>
+        </p:spPr>
+      </p:pic>
+    </p:spTree>
+    <p:extLst>
+      <p:ext uri="{BB962C8B-B14F-4D97-AF65-F5344CB8AC3E}">
+        <p14:creationId xmlns:p14="http://schemas.microsoft.com/office/powerpoint/2010/main" val="3907936106"/>
+      </p:ext>
+    </p:extLst>
+  </p:cSld>
+  <p:clrMapOvr>
+    <a:masterClrMapping/>
+  </p:clrMapOvr>
+  <p:timing>
+    <p:tnLst>
+      <p:par>
+        <p:cTn id="1" dur="indefinite" restart="never" nodeType="tmRoot"/>
+      </p:par>
+    </p:tnLst>
+  </p:timing>
 </p:sld>
 </file>
 
@@ -7793,11 +11285,7 @@
           <a:p>
             <a:r>
               <a:rPr lang="en-US" dirty="0" smtClean="0"/>
-              <a:t>Reminder: </a:t>
-            </a:r>
-            <a:r>
-              <a:rPr lang="en-US" dirty="0" smtClean="0"/>
-              <a:t>Prefixes and Suffixes</a:t>
+              <a:t>Reminder: Prefixes and Suffixes</a:t>
             </a:r>
             <a:endParaRPr lang="lv-LV" dirty="0"/>
           </a:p>
@@ -8235,11 +11723,7 @@
           <a:p>
             <a:r>
               <a:rPr lang="en-US" dirty="0" smtClean="0"/>
-              <a:t>Boyer-Moore </a:t>
-            </a:r>
-            <a:r>
-              <a:rPr lang="en-US" dirty="0" smtClean="0"/>
-              <a:t>Algorithm</a:t>
+              <a:t>Boyer-Moore Algorithm</a:t>
             </a:r>
             <a:endParaRPr lang="lv-LV" dirty="0"/>
           </a:p>
@@ -8935,6 +12419,13 @@
   <p:clrMapOvr>
     <a:masterClrMapping/>
   </p:clrMapOvr>
+  <p:timing>
+    <p:tnLst>
+      <p:par>
+        <p:cTn id="1" dur="indefinite" restart="never" nodeType="tmRoot"/>
+      </p:par>
+    </p:tnLst>
+  </p:timing>
 </p:sld>
 </file>
 
@@ -9121,6 +12612,13 @@
   <p:clrMapOvr>
     <a:masterClrMapping/>
   </p:clrMapOvr>
+  <p:timing>
+    <p:tnLst>
+      <p:par>
+        <p:cTn id="1" dur="indefinite" restart="never" nodeType="tmRoot"/>
+      </p:par>
+    </p:tnLst>
+  </p:timing>
 </p:sld>
 </file>
 
@@ -9411,6 +12909,13 @@
   <p:clrMapOvr>
     <a:masterClrMapping/>
   </p:clrMapOvr>
+  <p:timing>
+    <p:tnLst>
+      <p:par>
+        <p:cTn id="1" dur="indefinite" restart="never" nodeType="tmRoot"/>
+      </p:par>
+    </p:tnLst>
+  </p:timing>
 </p:sld>
 </file>
 
